--- a/Carolina Brew.pptx
+++ b/Carolina Brew.pptx
@@ -8,9 +8,9 @@
     <p:sldId id="256" r:id="rId2"/>
     <p:sldId id="257" r:id="rId3"/>
     <p:sldId id="258" r:id="rId4"/>
-    <p:sldId id="259" r:id="rId5"/>
-    <p:sldId id="260" r:id="rId6"/>
-    <p:sldId id="261" r:id="rId7"/>
+    <p:sldId id="260" r:id="rId5"/>
+    <p:sldId id="261" r:id="rId6"/>
+    <p:sldId id="263" r:id="rId7"/>
     <p:sldId id="262" r:id="rId8"/>
   </p:sldIdLst>
   <p:sldSz cx="12192000" cy="6858000"/>
@@ -110,6 +110,11 @@
       </a:defRPr>
     </a:lvl9pPr>
   </p:defaultTextStyle>
+  <p:extLst>
+    <p:ext uri="{EFAFB233-063F-42B5-8137-9DF3F51BA10A}">
+      <p15:sldGuideLst xmlns:p15="http://schemas.microsoft.com/office/powerpoint/2012/main"/>
+    </p:ext>
+  </p:extLst>
 </p:presentation>
 </file>
 
@@ -835,7 +840,7 @@
           <a:p>
             <a:fld id="{279B7C1F-9F85-4760-8617-72BCFC597A93}" type="datetimeFigureOut">
               <a:rPr lang="en-US" smtClean="0"/>
-              <a:t>3/20/2021</a:t>
+              <a:t>3/21/2021</a:t>
             </a:fld>
             <a:endParaRPr lang="en-US"/>
           </a:p>
@@ -1086,7 +1091,7 @@
           <a:p>
             <a:fld id="{279B7C1F-9F85-4760-8617-72BCFC597A93}" type="datetimeFigureOut">
               <a:rPr lang="en-US" smtClean="0"/>
-              <a:t>3/20/2021</a:t>
+              <a:t>3/21/2021</a:t>
             </a:fld>
             <a:endParaRPr lang="en-US"/>
           </a:p>
@@ -1400,7 +1405,7 @@
           <a:p>
             <a:fld id="{279B7C1F-9F85-4760-8617-72BCFC597A93}" type="datetimeFigureOut">
               <a:rPr lang="en-US" smtClean="0"/>
-              <a:t>3/20/2021</a:t>
+              <a:t>3/21/2021</a:t>
             </a:fld>
             <a:endParaRPr lang="en-US"/>
           </a:p>
@@ -1741,7 +1746,7 @@
           <a:p>
             <a:fld id="{279B7C1F-9F85-4760-8617-72BCFC597A93}" type="datetimeFigureOut">
               <a:rPr lang="en-US" smtClean="0"/>
-              <a:t>3/20/2021</a:t>
+              <a:t>3/21/2021</a:t>
             </a:fld>
             <a:endParaRPr lang="en-US"/>
           </a:p>
@@ -2055,7 +2060,7 @@
           <a:p>
             <a:fld id="{279B7C1F-9F85-4760-8617-72BCFC597A93}" type="datetimeFigureOut">
               <a:rPr lang="en-US" smtClean="0"/>
-              <a:t>3/20/2021</a:t>
+              <a:t>3/21/2021</a:t>
             </a:fld>
             <a:endParaRPr lang="en-US"/>
           </a:p>
@@ -2448,7 +2453,7 @@
           <a:p>
             <a:fld id="{279B7C1F-9F85-4760-8617-72BCFC597A93}" type="datetimeFigureOut">
               <a:rPr lang="en-US" smtClean="0"/>
-              <a:t>3/20/2021</a:t>
+              <a:t>3/21/2021</a:t>
             </a:fld>
             <a:endParaRPr lang="en-US"/>
           </a:p>
@@ -2618,7 +2623,7 @@
           <a:p>
             <a:fld id="{279B7C1F-9F85-4760-8617-72BCFC597A93}" type="datetimeFigureOut">
               <a:rPr lang="en-US" smtClean="0"/>
-              <a:t>3/20/2021</a:t>
+              <a:t>3/21/2021</a:t>
             </a:fld>
             <a:endParaRPr lang="en-US"/>
           </a:p>
@@ -2798,7 +2803,7 @@
           <a:p>
             <a:fld id="{279B7C1F-9F85-4760-8617-72BCFC597A93}" type="datetimeFigureOut">
               <a:rPr lang="en-US" smtClean="0"/>
-              <a:t>3/20/2021</a:t>
+              <a:t>3/21/2021</a:t>
             </a:fld>
             <a:endParaRPr lang="en-US"/>
           </a:p>
@@ -2974,7 +2979,7 @@
           <a:p>
             <a:fld id="{279B7C1F-9F85-4760-8617-72BCFC597A93}" type="datetimeFigureOut">
               <a:rPr lang="en-US" smtClean="0"/>
-              <a:t>3/20/2021</a:t>
+              <a:t>3/21/2021</a:t>
             </a:fld>
             <a:endParaRPr lang="en-US"/>
           </a:p>
@@ -3221,7 +3226,7 @@
           <a:p>
             <a:fld id="{279B7C1F-9F85-4760-8617-72BCFC597A93}" type="datetimeFigureOut">
               <a:rPr lang="en-US" smtClean="0"/>
-              <a:t>3/20/2021</a:t>
+              <a:t>3/21/2021</a:t>
             </a:fld>
             <a:endParaRPr lang="en-US"/>
           </a:p>
@@ -3453,7 +3458,7 @@
           <a:p>
             <a:fld id="{279B7C1F-9F85-4760-8617-72BCFC597A93}" type="datetimeFigureOut">
               <a:rPr lang="en-US" smtClean="0"/>
-              <a:t>3/20/2021</a:t>
+              <a:t>3/21/2021</a:t>
             </a:fld>
             <a:endParaRPr lang="en-US"/>
           </a:p>
@@ -3827,7 +3832,7 @@
           <a:p>
             <a:fld id="{279B7C1F-9F85-4760-8617-72BCFC597A93}" type="datetimeFigureOut">
               <a:rPr lang="en-US" smtClean="0"/>
-              <a:t>3/20/2021</a:t>
+              <a:t>3/21/2021</a:t>
             </a:fld>
             <a:endParaRPr lang="en-US"/>
           </a:p>
@@ -3950,7 +3955,7 @@
           <a:p>
             <a:fld id="{279B7C1F-9F85-4760-8617-72BCFC597A93}" type="datetimeFigureOut">
               <a:rPr lang="en-US" smtClean="0"/>
-              <a:t>3/20/2021</a:t>
+              <a:t>3/21/2021</a:t>
             </a:fld>
             <a:endParaRPr lang="en-US"/>
           </a:p>
@@ -4045,7 +4050,7 @@
           <a:p>
             <a:fld id="{279B7C1F-9F85-4760-8617-72BCFC597A93}" type="datetimeFigureOut">
               <a:rPr lang="en-US" smtClean="0"/>
-              <a:t>3/20/2021</a:t>
+              <a:t>3/21/2021</a:t>
             </a:fld>
             <a:endParaRPr lang="en-US"/>
           </a:p>
@@ -4300,7 +4305,7 @@
           <a:p>
             <a:fld id="{279B7C1F-9F85-4760-8617-72BCFC597A93}" type="datetimeFigureOut">
               <a:rPr lang="en-US" smtClean="0"/>
-              <a:t>3/20/2021</a:t>
+              <a:t>3/21/2021</a:t>
             </a:fld>
             <a:endParaRPr lang="en-US"/>
           </a:p>
@@ -4563,7 +4568,7 @@
           <a:p>
             <a:fld id="{279B7C1F-9F85-4760-8617-72BCFC597A93}" type="datetimeFigureOut">
               <a:rPr lang="en-US" smtClean="0"/>
-              <a:t>3/20/2021</a:t>
+              <a:t>3/21/2021</a:t>
             </a:fld>
             <a:endParaRPr lang="en-US"/>
           </a:p>
@@ -5306,7 +5311,7 @@
           <a:p>
             <a:fld id="{279B7C1F-9F85-4760-8617-72BCFC597A93}" type="datetimeFigureOut">
               <a:rPr lang="en-US" smtClean="0"/>
-              <a:t>3/20/2021</a:t>
+              <a:t>3/21/2021</a:t>
             </a:fld>
             <a:endParaRPr lang="en-US"/>
           </a:p>
@@ -5965,15 +5970,22 @@
             <p:ph type="title"/>
           </p:nvPr>
         </p:nvSpPr>
-        <p:spPr/>
-        <p:txBody>
-          <a:bodyPr/>
+        <p:spPr>
+          <a:xfrm>
+            <a:off x="677334" y="318656"/>
+            <a:ext cx="8596668" cy="660399"/>
+          </a:xfrm>
+        </p:spPr>
+        <p:txBody>
+          <a:bodyPr>
+            <a:normAutofit/>
+          </a:bodyPr>
           <a:lstStyle/>
           <a:p>
             <a:pPr algn="ctr"/>
             <a:r>
               <a:rPr lang="en-US" dirty="0"/>
-              <a:t>The Data</a:t>
+              <a:t>Extraction</a:t>
             </a:r>
           </a:p>
         </p:txBody>
@@ -5994,15 +6006,160 @@
             <p:ph idx="1"/>
           </p:nvPr>
         </p:nvSpPr>
-        <p:spPr/>
+        <p:spPr>
+          <a:xfrm>
+            <a:off x="677334" y="979055"/>
+            <a:ext cx="8596668" cy="5560290"/>
+          </a:xfrm>
+        </p:spPr>
         <p:txBody>
           <a:bodyPr/>
           <a:lstStyle/>
           <a:p>
-            <a:endParaRPr lang="en-US"/>
-          </a:p>
-        </p:txBody>
-      </p:sp>
+            <a:r>
+              <a:rPr lang="en-US" dirty="0"/>
+              <a:t>Data sets:</a:t>
+            </a:r>
+          </a:p>
+          <a:p>
+            <a:pPr lvl="1"/>
+            <a:r>
+              <a:rPr lang="en-US" b="0" i="0" dirty="0">
+                <a:solidFill>
+                  <a:srgbClr val="000000"/>
+                </a:solidFill>
+                <a:effectLst/>
+                <a:latin typeface="Helvetica Neue"/>
+              </a:rPr>
+              <a:t>KAGGLE - BREWERIES AND BEER PUBS IN THE US (.CSV)</a:t>
+            </a:r>
+          </a:p>
+          <a:p>
+            <a:pPr lvl="1"/>
+            <a:r>
+              <a:rPr lang="en-US" dirty="0"/>
+              <a:t>'https://api.yelp.com/v3/businesses/search’</a:t>
+            </a:r>
+            <a:r>
+              <a:rPr lang="en-US" dirty="0">
+                <a:solidFill>
+                  <a:srgbClr val="000000"/>
+                </a:solidFill>
+                <a:latin typeface="Helvetica Neue"/>
+              </a:rPr>
+              <a:t> (NC)</a:t>
+            </a:r>
+          </a:p>
+          <a:p>
+            <a:pPr lvl="1"/>
+            <a:r>
+              <a:rPr lang="en-US" dirty="0"/>
+              <a:t>'https://api.yelp.com/v3/businesses/search’</a:t>
+            </a:r>
+            <a:r>
+              <a:rPr lang="en-US" dirty="0">
+                <a:solidFill>
+                  <a:srgbClr val="000000"/>
+                </a:solidFill>
+                <a:latin typeface="Helvetica Neue"/>
+              </a:rPr>
+              <a:t> (SC)</a:t>
+            </a:r>
+          </a:p>
+          <a:p>
+            <a:pPr lvl="1"/>
+            <a:endParaRPr lang="en-US" dirty="0">
+              <a:solidFill>
+                <a:srgbClr val="000000"/>
+              </a:solidFill>
+              <a:latin typeface="Helvetica Neue"/>
+            </a:endParaRPr>
+          </a:p>
+          <a:p>
+            <a:pPr lvl="1"/>
+            <a:r>
+              <a:rPr lang="en-US" dirty="0">
+                <a:solidFill>
+                  <a:srgbClr val="000000"/>
+                </a:solidFill>
+                <a:latin typeface="Helvetica Neue"/>
+              </a:rPr>
+              <a:t>Initial Files:</a:t>
+            </a:r>
+          </a:p>
+          <a:p>
+            <a:pPr marL="457200" lvl="1" indent="0">
+              <a:buNone/>
+            </a:pPr>
+            <a:endParaRPr lang="en-US" dirty="0">
+              <a:solidFill>
+                <a:srgbClr val="000000"/>
+              </a:solidFill>
+              <a:latin typeface="Helvetica Neue"/>
+            </a:endParaRPr>
+          </a:p>
+        </p:txBody>
+      </p:sp>
+      <p:pic>
+        <p:nvPicPr>
+          <p:cNvPr id="5" name="Picture 4">
+            <a:extLst>
+              <a:ext uri="{FF2B5EF4-FFF2-40B4-BE49-F238E27FC236}">
+                <a16:creationId xmlns:a16="http://schemas.microsoft.com/office/drawing/2014/main" id="{AA6EA181-188B-49E5-BC7A-655ACBF6AA8D}"/>
+              </a:ext>
+            </a:extLst>
+          </p:cNvPr>
+          <p:cNvPicPr>
+            <a:picLocks noChangeAspect="1"/>
+          </p:cNvPicPr>
+          <p:nvPr/>
+        </p:nvPicPr>
+        <p:blipFill>
+          <a:blip r:embed="rId2"/>
+          <a:stretch>
+            <a:fillRect/>
+          </a:stretch>
+        </p:blipFill>
+        <p:spPr>
+          <a:xfrm>
+            <a:off x="2271730" y="3157550"/>
+            <a:ext cx="7458348" cy="1774728"/>
+          </a:xfrm>
+          <a:prstGeom prst="rect">
+            <a:avLst/>
+          </a:prstGeom>
+        </p:spPr>
+      </p:pic>
+      <p:pic>
+        <p:nvPicPr>
+          <p:cNvPr id="7" name="Picture 6">
+            <a:extLst>
+              <a:ext uri="{FF2B5EF4-FFF2-40B4-BE49-F238E27FC236}">
+                <a16:creationId xmlns:a16="http://schemas.microsoft.com/office/drawing/2014/main" id="{DE0A0F8D-8FEB-4A6A-A895-3FEEA3A982EB}"/>
+              </a:ext>
+            </a:extLst>
+          </p:cNvPr>
+          <p:cNvPicPr>
+            <a:picLocks noChangeAspect="1"/>
+          </p:cNvPicPr>
+          <p:nvPr/>
+        </p:nvPicPr>
+        <p:blipFill>
+          <a:blip r:embed="rId3"/>
+          <a:stretch>
+            <a:fillRect/>
+          </a:stretch>
+        </p:blipFill>
+        <p:spPr>
+          <a:xfrm>
+            <a:off x="903149" y="4579485"/>
+            <a:ext cx="5950234" cy="1940823"/>
+          </a:xfrm>
+          <a:prstGeom prst="rect">
+            <a:avLst/>
+          </a:prstGeom>
+        </p:spPr>
+      </p:pic>
     </p:spTree>
     <p:extLst>
       <p:ext uri="{BB962C8B-B14F-4D97-AF65-F5344CB8AC3E}">
@@ -6049,7 +6206,12 @@
             <p:ph type="title"/>
           </p:nvPr>
         </p:nvSpPr>
-        <p:spPr/>
+        <p:spPr>
+          <a:xfrm>
+            <a:off x="677334" y="369456"/>
+            <a:ext cx="8596668" cy="729672"/>
+          </a:xfrm>
+        </p:spPr>
         <p:txBody>
           <a:bodyPr/>
           <a:lstStyle/>
@@ -6057,7 +6219,7 @@
             <a:pPr algn="ctr"/>
             <a:r>
               <a:rPr lang="en-US" dirty="0"/>
-              <a:t>Data Cleanup &amp; Analysis</a:t>
+              <a:t>Transform</a:t>
             </a:r>
           </a:p>
         </p:txBody>
@@ -6078,15 +6240,133 @@
             <p:ph idx="1"/>
           </p:nvPr>
         </p:nvSpPr>
-        <p:spPr/>
+        <p:spPr>
+          <a:xfrm>
+            <a:off x="677334" y="1099128"/>
+            <a:ext cx="8596668" cy="5389416"/>
+          </a:xfrm>
+        </p:spPr>
         <p:txBody>
           <a:bodyPr/>
           <a:lstStyle/>
           <a:p>
-            <a:endParaRPr lang="en-US"/>
-          </a:p>
-        </p:txBody>
-      </p:sp>
+            <a:r>
+              <a:rPr lang="en-US" dirty="0"/>
+              <a:t>Kaggle file: remove columns, renamed columns, reorganized columns, 		removed rows with Nan and finally, sorted to North and South Carolina</a:t>
+            </a:r>
+          </a:p>
+          <a:p>
+            <a:r>
+              <a:rPr lang="en-US" dirty="0"/>
+              <a:t>Final Result:  77 Bars</a:t>
+            </a:r>
+          </a:p>
+          <a:p>
+            <a:endParaRPr lang="en-US" dirty="0"/>
+          </a:p>
+          <a:p>
+            <a:endParaRPr lang="en-US" dirty="0"/>
+          </a:p>
+          <a:p>
+            <a:endParaRPr lang="en-US" dirty="0"/>
+          </a:p>
+          <a:p>
+            <a:endParaRPr lang="en-US" dirty="0"/>
+          </a:p>
+          <a:p>
+            <a:r>
+              <a:rPr lang="en-US" dirty="0"/>
+              <a:t>Yelp file: created a list of rows of interest—address, bar id, price, rating, and number of reviews. Then placed into a pandas </a:t>
+            </a:r>
+            <a:r>
+              <a:rPr lang="en-US" dirty="0" err="1"/>
+              <a:t>DataFrame</a:t>
+            </a:r>
+            <a:r>
+              <a:rPr lang="en-US" dirty="0"/>
+              <a:t>.</a:t>
+            </a:r>
+          </a:p>
+          <a:p>
+            <a:r>
+              <a:rPr lang="en-US" dirty="0"/>
+              <a:t> Final Result : 20 Bars NC &amp; 20 Bars SC</a:t>
+            </a:r>
+          </a:p>
+          <a:p>
+            <a:pPr marL="1828800" lvl="4" indent="0">
+              <a:buNone/>
+            </a:pPr>
+            <a:endParaRPr lang="en-US" dirty="0"/>
+          </a:p>
+          <a:p>
+            <a:pPr marL="0" indent="0">
+              <a:buNone/>
+            </a:pPr>
+            <a:endParaRPr lang="en-US" dirty="0"/>
+          </a:p>
+        </p:txBody>
+      </p:sp>
+      <p:pic>
+        <p:nvPicPr>
+          <p:cNvPr id="5" name="Picture 4">
+            <a:extLst>
+              <a:ext uri="{FF2B5EF4-FFF2-40B4-BE49-F238E27FC236}">
+                <a16:creationId xmlns:a16="http://schemas.microsoft.com/office/drawing/2014/main" id="{C9FCC9C3-0EEC-44B7-875D-1060714FA0C0}"/>
+              </a:ext>
+            </a:extLst>
+          </p:cNvPr>
+          <p:cNvPicPr>
+            <a:picLocks noChangeAspect="1"/>
+          </p:cNvPicPr>
+          <p:nvPr/>
+        </p:nvPicPr>
+        <p:blipFill>
+          <a:blip r:embed="rId2"/>
+          <a:stretch>
+            <a:fillRect/>
+          </a:stretch>
+        </p:blipFill>
+        <p:spPr>
+          <a:xfrm>
+            <a:off x="1400887" y="2129536"/>
+            <a:ext cx="7716097" cy="1659811"/>
+          </a:xfrm>
+          <a:prstGeom prst="rect">
+            <a:avLst/>
+          </a:prstGeom>
+        </p:spPr>
+      </p:pic>
+      <p:pic>
+        <p:nvPicPr>
+          <p:cNvPr id="7" name="Picture 6">
+            <a:extLst>
+              <a:ext uri="{FF2B5EF4-FFF2-40B4-BE49-F238E27FC236}">
+                <a16:creationId xmlns:a16="http://schemas.microsoft.com/office/drawing/2014/main" id="{2F7EC1D9-4C44-4DAA-B168-104F5713D734}"/>
+              </a:ext>
+            </a:extLst>
+          </p:cNvPr>
+          <p:cNvPicPr>
+            <a:picLocks noChangeAspect="1"/>
+          </p:cNvPicPr>
+          <p:nvPr/>
+        </p:nvPicPr>
+        <p:blipFill>
+          <a:blip r:embed="rId3"/>
+          <a:stretch>
+            <a:fillRect/>
+          </a:stretch>
+        </p:blipFill>
+        <p:spPr>
+          <a:xfrm>
+            <a:off x="3763078" y="4819755"/>
+            <a:ext cx="4333333" cy="1638095"/>
+          </a:xfrm>
+          <a:prstGeom prst="rect">
+            <a:avLst/>
+          </a:prstGeom>
+        </p:spPr>
+      </p:pic>
     </p:spTree>
     <p:extLst>
       <p:ext uri="{BB962C8B-B14F-4D97-AF65-F5344CB8AC3E}">
@@ -6122,7 +6402,7 @@
           <p:cNvPr id="2" name="Title 1">
             <a:extLst>
               <a:ext uri="{FF2B5EF4-FFF2-40B4-BE49-F238E27FC236}">
-                <a16:creationId xmlns:a16="http://schemas.microsoft.com/office/drawing/2014/main" id="{3CB0ACFA-7D1D-4C97-A3A6-A7923D743CC1}"/>
+                <a16:creationId xmlns:a16="http://schemas.microsoft.com/office/drawing/2014/main" id="{1CF0F7C5-CDD6-480D-AED7-CC0900BCB145}"/>
               </a:ext>
             </a:extLst>
           </p:cNvPr>
@@ -6133,7 +6413,12 @@
             <p:ph type="title"/>
           </p:nvPr>
         </p:nvSpPr>
-        <p:spPr/>
+        <p:spPr>
+          <a:xfrm>
+            <a:off x="677334" y="360218"/>
+            <a:ext cx="8596668" cy="812800"/>
+          </a:xfrm>
+        </p:spPr>
         <p:txBody>
           <a:bodyPr/>
           <a:lstStyle/>
@@ -6141,7 +6426,7 @@
             <a:pPr algn="ctr"/>
             <a:r>
               <a:rPr lang="en-US" dirty="0"/>
-              <a:t>Extract</a:t>
+              <a:t>Transform</a:t>
             </a:r>
           </a:p>
         </p:txBody>
@@ -6151,7 +6436,7 @@
           <p:cNvPr id="3" name="Content Placeholder 2">
             <a:extLst>
               <a:ext uri="{FF2B5EF4-FFF2-40B4-BE49-F238E27FC236}">
-                <a16:creationId xmlns:a16="http://schemas.microsoft.com/office/drawing/2014/main" id="{35D1084D-CD0F-4F44-822C-D026161A5AE6}"/>
+                <a16:creationId xmlns:a16="http://schemas.microsoft.com/office/drawing/2014/main" id="{33664D00-DA9A-4DBE-B4C6-F12F73E5FD73}"/>
               </a:ext>
             </a:extLst>
           </p:cNvPr>
@@ -6162,19 +6447,74 @@
             <p:ph idx="1"/>
           </p:nvPr>
         </p:nvSpPr>
-        <p:spPr/>
+        <p:spPr>
+          <a:xfrm>
+            <a:off x="677334" y="1034473"/>
+            <a:ext cx="8596668" cy="5006889"/>
+          </a:xfrm>
+        </p:spPr>
         <p:txBody>
           <a:bodyPr/>
           <a:lstStyle/>
           <a:p>
-            <a:endParaRPr lang="en-US"/>
-          </a:p>
-        </p:txBody>
-      </p:sp>
+            <a:r>
+              <a:rPr lang="en-US" dirty="0"/>
+              <a:t>Sent tables to </a:t>
+            </a:r>
+            <a:r>
+              <a:rPr lang="en-US" dirty="0" err="1"/>
+              <a:t>postgres</a:t>
+            </a:r>
+            <a:r>
+              <a:rPr lang="en-US" dirty="0"/>
+              <a:t> – pgAdmin4</a:t>
+            </a:r>
+          </a:p>
+          <a:p>
+            <a:r>
+              <a:rPr lang="en-US" dirty="0"/>
+              <a:t>Confirmed all tables loaded </a:t>
+            </a:r>
+          </a:p>
+          <a:p>
+            <a:endParaRPr lang="en-US" dirty="0"/>
+          </a:p>
+        </p:txBody>
+      </p:sp>
+      <p:pic>
+        <p:nvPicPr>
+          <p:cNvPr id="5" name="Picture 4">
+            <a:extLst>
+              <a:ext uri="{FF2B5EF4-FFF2-40B4-BE49-F238E27FC236}">
+                <a16:creationId xmlns:a16="http://schemas.microsoft.com/office/drawing/2014/main" id="{B0E526D5-7C22-446B-A153-CA829538E040}"/>
+              </a:ext>
+            </a:extLst>
+          </p:cNvPr>
+          <p:cNvPicPr>
+            <a:picLocks noChangeAspect="1"/>
+          </p:cNvPicPr>
+          <p:nvPr/>
+        </p:nvPicPr>
+        <p:blipFill>
+          <a:blip r:embed="rId2"/>
+          <a:stretch>
+            <a:fillRect/>
+          </a:stretch>
+        </p:blipFill>
+        <p:spPr>
+          <a:xfrm>
+            <a:off x="4542297" y="1423366"/>
+            <a:ext cx="3844322" cy="4747156"/>
+          </a:xfrm>
+          <a:prstGeom prst="rect">
+            <a:avLst/>
+          </a:prstGeom>
+        </p:spPr>
+      </p:pic>
     </p:spTree>
     <p:extLst>
       <p:ext uri="{BB962C8B-B14F-4D97-AF65-F5344CB8AC3E}">
-        <p14:creationId xmlns:p14="http://schemas.microsoft.com/office/powerpoint/2010/main" val="599757374"/>
+        <p14:creationId xmlns:p14="http://schemas.microsoft.com/office/powerpoint/2010/main" val="3780265764"/>
       </p:ext>
     </p:extLst>
   </p:cSld>
@@ -6206,7 +6546,7 @@
           <p:cNvPr id="2" name="Title 1">
             <a:extLst>
               <a:ext uri="{FF2B5EF4-FFF2-40B4-BE49-F238E27FC236}">
-                <a16:creationId xmlns:a16="http://schemas.microsoft.com/office/drawing/2014/main" id="{1CF0F7C5-CDD6-480D-AED7-CC0900BCB145}"/>
+                <a16:creationId xmlns:a16="http://schemas.microsoft.com/office/drawing/2014/main" id="{1AE1659A-456E-43F8-8716-EE1AFA78CDE2}"/>
               </a:ext>
             </a:extLst>
           </p:cNvPr>
@@ -6217,7 +6557,12 @@
             <p:ph type="title"/>
           </p:nvPr>
         </p:nvSpPr>
-        <p:spPr/>
+        <p:spPr>
+          <a:xfrm>
+            <a:off x="677334" y="304800"/>
+            <a:ext cx="8596668" cy="757382"/>
+          </a:xfrm>
+        </p:spPr>
         <p:txBody>
           <a:bodyPr/>
           <a:lstStyle/>
@@ -6235,7 +6580,7 @@
           <p:cNvPr id="3" name="Content Placeholder 2">
             <a:extLst>
               <a:ext uri="{FF2B5EF4-FFF2-40B4-BE49-F238E27FC236}">
-                <a16:creationId xmlns:a16="http://schemas.microsoft.com/office/drawing/2014/main" id="{33664D00-DA9A-4DBE-B4C6-F12F73E5FD73}"/>
+                <a16:creationId xmlns:a16="http://schemas.microsoft.com/office/drawing/2014/main" id="{4FC0D2C8-710F-4856-854C-896876A83B37}"/>
               </a:ext>
             </a:extLst>
           </p:cNvPr>
@@ -6246,19 +6591,28 @@
             <p:ph idx="1"/>
           </p:nvPr>
         </p:nvSpPr>
-        <p:spPr/>
+        <p:spPr>
+          <a:xfrm>
+            <a:off x="677334" y="942109"/>
+            <a:ext cx="8596668" cy="5099253"/>
+          </a:xfrm>
+        </p:spPr>
         <p:txBody>
           <a:bodyPr/>
           <a:lstStyle/>
           <a:p>
-            <a:endParaRPr lang="en-US"/>
+            <a:r>
+              <a:rPr lang="en-US"/>
+              <a:t>Added </a:t>
+            </a:r>
+            <a:endParaRPr lang="en-US" dirty="0"/>
           </a:p>
         </p:txBody>
       </p:sp>
     </p:spTree>
     <p:extLst>
       <p:ext uri="{BB962C8B-B14F-4D97-AF65-F5344CB8AC3E}">
-        <p14:creationId xmlns:p14="http://schemas.microsoft.com/office/powerpoint/2010/main" val="3780265764"/>
+        <p14:creationId xmlns:p14="http://schemas.microsoft.com/office/powerpoint/2010/main" val="2357786455"/>
       </p:ext>
     </p:extLst>
   </p:cSld>
@@ -6342,7 +6696,7 @@
     </p:spTree>
     <p:extLst>
       <p:ext uri="{BB962C8B-B14F-4D97-AF65-F5344CB8AC3E}">
-        <p14:creationId xmlns:p14="http://schemas.microsoft.com/office/powerpoint/2010/main" val="2357786455"/>
+        <p14:creationId xmlns:p14="http://schemas.microsoft.com/office/powerpoint/2010/main" val="348694189"/>
       </p:ext>
     </p:extLst>
   </p:cSld>

--- a/Carolina Brew.pptx
+++ b/Carolina Brew.pptx
@@ -7,11 +7,12 @@
   <p:sldIdLst>
     <p:sldId id="256" r:id="rId2"/>
     <p:sldId id="257" r:id="rId3"/>
-    <p:sldId id="258" r:id="rId4"/>
-    <p:sldId id="260" r:id="rId5"/>
-    <p:sldId id="261" r:id="rId6"/>
-    <p:sldId id="263" r:id="rId7"/>
-    <p:sldId id="262" r:id="rId8"/>
+    <p:sldId id="264" r:id="rId4"/>
+    <p:sldId id="258" r:id="rId5"/>
+    <p:sldId id="260" r:id="rId6"/>
+    <p:sldId id="261" r:id="rId7"/>
+    <p:sldId id="263" r:id="rId8"/>
+    <p:sldId id="262" r:id="rId9"/>
   </p:sldIdLst>
   <p:sldSz cx="12192000" cy="6858000"/>
   <p:notesSz cx="6858000" cy="9144000"/>
@@ -5940,6 +5941,942 @@
 <file path=ppt/slides/slide2.xml><?xml version="1.0" encoding="utf-8"?>
 <p:sld xmlns:a="http://schemas.openxmlformats.org/drawingml/2006/main" xmlns:r="http://schemas.openxmlformats.org/officeDocument/2006/relationships" xmlns:p="http://schemas.openxmlformats.org/presentationml/2006/main">
   <p:cSld>
+    <p:bg>
+      <p:bgPr>
+        <a:solidFill>
+          <a:schemeClr val="bg1"/>
+        </a:solidFill>
+        <a:effectLst/>
+      </p:bgPr>
+    </p:bg>
+    <p:spTree>
+      <p:nvGrpSpPr>
+        <p:cNvPr id="1" name=""/>
+        <p:cNvGrpSpPr/>
+        <p:nvPr/>
+      </p:nvGrpSpPr>
+      <p:grpSpPr>
+        <a:xfrm>
+          <a:off x="0" y="0"/>
+          <a:ext cx="0" cy="0"/>
+          <a:chOff x="0" y="0"/>
+          <a:chExt cx="0" cy="0"/>
+        </a:xfrm>
+      </p:grpSpPr>
+      <p:pic>
+        <p:nvPicPr>
+          <p:cNvPr id="6" name="Picture 4" descr="Light bulb on yellow background with sketched light beams and cord">
+            <a:extLst>
+              <a:ext uri="{FF2B5EF4-FFF2-40B4-BE49-F238E27FC236}">
+                <a16:creationId xmlns:a16="http://schemas.microsoft.com/office/drawing/2014/main" id="{2116F4F2-E5CD-4BB6-AD0F-474452D78E5E}"/>
+              </a:ext>
+            </a:extLst>
+          </p:cNvPr>
+          <p:cNvPicPr>
+            <a:picLocks noChangeAspect="1"/>
+          </p:cNvPicPr>
+          <p:nvPr/>
+        </p:nvPicPr>
+        <p:blipFill rotWithShape="1">
+          <a:blip r:embed="rId2"/>
+          <a:srcRect l="28957"/>
+          <a:stretch/>
+        </p:blipFill>
+        <p:spPr>
+          <a:xfrm>
+            <a:off x="4269854" y="-1"/>
+            <a:ext cx="7922146" cy="6858001"/>
+          </a:xfrm>
+          <a:custGeom>
+            <a:avLst/>
+            <a:gdLst/>
+            <a:ahLst/>
+            <a:cxnLst/>
+            <a:rect l="l" t="t" r="r" b="b"/>
+            <a:pathLst>
+              <a:path w="7922146" h="6858001">
+                <a:moveTo>
+                  <a:pt x="379987" y="0"/>
+                </a:moveTo>
+                <a:lnTo>
+                  <a:pt x="5304971" y="0"/>
+                </a:lnTo>
+                <a:lnTo>
+                  <a:pt x="7065281" y="0"/>
+                </a:lnTo>
+                <a:lnTo>
+                  <a:pt x="7397540" y="0"/>
+                </a:lnTo>
+                <a:lnTo>
+                  <a:pt x="7397540" y="1"/>
+                </a:lnTo>
+                <a:lnTo>
+                  <a:pt x="7922146" y="1"/>
+                </a:lnTo>
+                <a:lnTo>
+                  <a:pt x="7922146" y="6858001"/>
+                </a:lnTo>
+                <a:lnTo>
+                  <a:pt x="7065281" y="6858001"/>
+                </a:lnTo>
+                <a:lnTo>
+                  <a:pt x="7065281" y="6858000"/>
+                </a:lnTo>
+                <a:lnTo>
+                  <a:pt x="5932989" y="6858000"/>
+                </a:lnTo>
+                <a:lnTo>
+                  <a:pt x="5932989" y="6858001"/>
+                </a:lnTo>
+                <a:lnTo>
+                  <a:pt x="27809" y="6858001"/>
+                </a:lnTo>
+                <a:lnTo>
+                  <a:pt x="1803228" y="4521201"/>
+                </a:lnTo>
+                <a:close/>
+                <a:moveTo>
+                  <a:pt x="0" y="0"/>
+                </a:moveTo>
+                <a:lnTo>
+                  <a:pt x="379987" y="0"/>
+                </a:lnTo>
+                <a:lnTo>
+                  <a:pt x="0" y="407"/>
+                </a:lnTo>
+                <a:close/>
+              </a:path>
+            </a:pathLst>
+          </a:custGeom>
+        </p:spPr>
+      </p:pic>
+      <p:sp>
+        <p:nvSpPr>
+          <p:cNvPr id="2" name="Title 1">
+            <a:extLst>
+              <a:ext uri="{FF2B5EF4-FFF2-40B4-BE49-F238E27FC236}">
+                <a16:creationId xmlns:a16="http://schemas.microsoft.com/office/drawing/2014/main" id="{F49B2820-2FDA-495F-8F7C-4B05EBBDFCDB}"/>
+              </a:ext>
+            </a:extLst>
+          </p:cNvPr>
+          <p:cNvSpPr>
+            <a:spLocks noGrp="1"/>
+          </p:cNvSpPr>
+          <p:nvPr>
+            <p:ph type="title"/>
+          </p:nvPr>
+        </p:nvSpPr>
+        <p:spPr>
+          <a:xfrm>
+            <a:off x="677333" y="609599"/>
+            <a:ext cx="3851123" cy="4789055"/>
+          </a:xfrm>
+        </p:spPr>
+        <p:txBody>
+          <a:bodyPr>
+            <a:normAutofit/>
+          </a:bodyPr>
+          <a:lstStyle/>
+          <a:p>
+            <a:r>
+              <a:rPr lang="en-US" dirty="0"/>
+              <a:t>ETL Project Idea</a:t>
+            </a:r>
+          </a:p>
+        </p:txBody>
+      </p:sp>
+      <p:sp>
+        <p:nvSpPr>
+          <p:cNvPr id="3" name="Content Placeholder 2">
+            <a:extLst>
+              <a:ext uri="{FF2B5EF4-FFF2-40B4-BE49-F238E27FC236}">
+                <a16:creationId xmlns:a16="http://schemas.microsoft.com/office/drawing/2014/main" id="{35431F26-607D-46EF-BF61-9FB4C78650B3}"/>
+              </a:ext>
+            </a:extLst>
+          </p:cNvPr>
+          <p:cNvSpPr>
+            <a:spLocks noGrp="1"/>
+          </p:cNvSpPr>
+          <p:nvPr>
+            <p:ph idx="1"/>
+          </p:nvPr>
+        </p:nvSpPr>
+        <p:spPr>
+          <a:xfrm>
+            <a:off x="677333" y="1459345"/>
+            <a:ext cx="4338011" cy="4582017"/>
+          </a:xfrm>
+        </p:spPr>
+        <p:txBody>
+          <a:bodyPr>
+            <a:normAutofit/>
+          </a:bodyPr>
+          <a:lstStyle/>
+          <a:p>
+            <a:pPr>
+              <a:buFont typeface="Arial" panose="020B0604020202020204" pitchFamily="34" charset="0"/>
+              <a:buChar char="•"/>
+            </a:pPr>
+            <a:r>
+              <a:rPr lang="en-US" dirty="0"/>
+              <a:t>Covid-19 has created a society with a bit of </a:t>
+            </a:r>
+            <a:r>
+              <a:rPr lang="en-US" dirty="0" err="1"/>
+              <a:t>closterphobia</a:t>
+            </a:r>
+            <a:endParaRPr lang="en-US" dirty="0"/>
+          </a:p>
+          <a:p>
+            <a:pPr>
+              <a:buFont typeface="Arial" panose="020B0604020202020204" pitchFamily="34" charset="0"/>
+              <a:buChar char="•"/>
+            </a:pPr>
+            <a:r>
+              <a:rPr lang="en-US" dirty="0"/>
+              <a:t>What will people want to do now that states are opening back up?</a:t>
+            </a:r>
+          </a:p>
+          <a:p>
+            <a:pPr>
+              <a:buFont typeface="Arial" panose="020B0604020202020204" pitchFamily="34" charset="0"/>
+              <a:buChar char="•"/>
+            </a:pPr>
+            <a:r>
+              <a:rPr lang="en-US" dirty="0"/>
+              <a:t>Day trips? Weekend Trips?</a:t>
+            </a:r>
+          </a:p>
+          <a:p>
+            <a:pPr>
+              <a:buFont typeface="Arial" panose="020B0604020202020204" pitchFamily="34" charset="0"/>
+              <a:buChar char="•"/>
+            </a:pPr>
+            <a:r>
+              <a:rPr lang="en-US" dirty="0"/>
+              <a:t>Distance? North and South Carolina</a:t>
+            </a:r>
+          </a:p>
+          <a:p>
+            <a:pPr>
+              <a:buFont typeface="Arial" panose="020B0604020202020204" pitchFamily="34" charset="0"/>
+              <a:buChar char="•"/>
+            </a:pPr>
+            <a:r>
+              <a:rPr lang="en-US" dirty="0"/>
+              <a:t>Something new!</a:t>
+            </a:r>
+          </a:p>
+          <a:p>
+            <a:pPr>
+              <a:buFont typeface="Arial" panose="020B0604020202020204" pitchFamily="34" charset="0"/>
+              <a:buChar char="•"/>
+            </a:pPr>
+            <a:r>
+              <a:rPr lang="en-US" dirty="0"/>
+              <a:t>Result: </a:t>
+            </a:r>
+          </a:p>
+          <a:p>
+            <a:pPr lvl="1">
+              <a:buFont typeface="Arial" panose="020B0604020202020204" pitchFamily="34" charset="0"/>
+              <a:buChar char="•"/>
+            </a:pPr>
+            <a:r>
+              <a:rPr lang="en-US" dirty="0"/>
+              <a:t>Bars in NC and SC</a:t>
+            </a:r>
+          </a:p>
+          <a:p>
+            <a:pPr lvl="1">
+              <a:buFont typeface="Arial" panose="020B0604020202020204" pitchFamily="34" charset="0"/>
+              <a:buChar char="•"/>
+            </a:pPr>
+            <a:r>
+              <a:rPr lang="en-US" dirty="0"/>
+              <a:t>What are they rated?</a:t>
+            </a:r>
+          </a:p>
+          <a:p>
+            <a:pPr lvl="1">
+              <a:buFont typeface="Arial" panose="020B0604020202020204" pitchFamily="34" charset="0"/>
+              <a:buChar char="•"/>
+            </a:pPr>
+            <a:r>
+              <a:rPr lang="en-US" dirty="0"/>
+              <a:t>How expensive?</a:t>
+            </a:r>
+          </a:p>
+          <a:p>
+            <a:pPr lvl="1">
+              <a:buFont typeface="Arial" panose="020B0604020202020204" pitchFamily="34" charset="0"/>
+              <a:buChar char="•"/>
+            </a:pPr>
+            <a:r>
+              <a:rPr lang="en-US" dirty="0"/>
+              <a:t>Reviews?</a:t>
+            </a:r>
+          </a:p>
+          <a:p>
+            <a:pPr>
+              <a:buFont typeface="Arial" panose="020B0604020202020204" pitchFamily="34" charset="0"/>
+              <a:buChar char="•"/>
+            </a:pPr>
+            <a:endParaRPr lang="en-US" dirty="0"/>
+          </a:p>
+          <a:p>
+            <a:pPr marL="457200" lvl="1" indent="0">
+              <a:buNone/>
+            </a:pPr>
+            <a:endParaRPr lang="en-US" dirty="0">
+              <a:latin typeface="Helvetica Neue"/>
+            </a:endParaRPr>
+          </a:p>
+        </p:txBody>
+      </p:sp>
+      <p:cxnSp>
+        <p:nvCxnSpPr>
+          <p:cNvPr id="9" name="Straight Connector 8">
+            <a:extLst>
+              <a:ext uri="{FF2B5EF4-FFF2-40B4-BE49-F238E27FC236}">
+                <a16:creationId xmlns:a16="http://schemas.microsoft.com/office/drawing/2014/main" id="{64FA5DFF-7FE6-4855-84E6-DFA78EE978BD}"/>
+              </a:ext>
+              <a:ext uri="{C183D7F6-B498-43B3-948B-1728B52AA6E4}">
+                <adec:decorative xmlns:adec="http://schemas.microsoft.com/office/drawing/2017/decorative" val="1"/>
+              </a:ext>
+            </a:extLst>
+          </p:cNvPr>
+          <p:cNvCxnSpPr>
+            <a:cxnSpLocks noGrp="1" noRot="1" noChangeAspect="1" noMove="1" noResize="1" noEditPoints="1" noAdjustHandles="1" noChangeArrowheads="1" noChangeShapeType="1"/>
+          </p:cNvCxnSpPr>
+          <p:nvPr>
+            <p:extLst>
+              <p:ext uri="{386F3935-93C4-4BCD-93E2-E3B085C9AB24}">
+                <p16:designElem xmlns:p16="http://schemas.microsoft.com/office/powerpoint/2015/main" val="1"/>
+              </p:ext>
+            </p:extLst>
+          </p:nvPr>
+        </p:nvCxnSpPr>
+        <p:spPr>
+          <a:xfrm>
+            <a:off x="9371012" y="0"/>
+            <a:ext cx="1219200" cy="6858000"/>
+          </a:xfrm>
+          <a:prstGeom prst="line">
+            <a:avLst/>
+          </a:prstGeom>
+          <a:ln w="9525">
+            <a:solidFill>
+              <a:schemeClr val="bg1">
+                <a:lumMod val="75000"/>
+              </a:schemeClr>
+            </a:solidFill>
+          </a:ln>
+        </p:spPr>
+        <p:style>
+          <a:lnRef idx="2">
+            <a:schemeClr val="accent1"/>
+          </a:lnRef>
+          <a:fillRef idx="0">
+            <a:schemeClr val="accent1"/>
+          </a:fillRef>
+          <a:effectRef idx="1">
+            <a:schemeClr val="accent1"/>
+          </a:effectRef>
+          <a:fontRef idx="minor">
+            <a:schemeClr val="tx1"/>
+          </a:fontRef>
+        </p:style>
+      </p:cxnSp>
+      <p:cxnSp>
+        <p:nvCxnSpPr>
+          <p:cNvPr id="11" name="Straight Connector 10">
+            <a:extLst>
+              <a:ext uri="{FF2B5EF4-FFF2-40B4-BE49-F238E27FC236}">
+                <a16:creationId xmlns:a16="http://schemas.microsoft.com/office/drawing/2014/main" id="{2AFD8CBA-54A3-4363-991B-B9C631BBFA74}"/>
+              </a:ext>
+              <a:ext uri="{C183D7F6-B498-43B3-948B-1728B52AA6E4}">
+                <adec:decorative xmlns:adec="http://schemas.microsoft.com/office/drawing/2017/decorative" val="1"/>
+              </a:ext>
+            </a:extLst>
+          </p:cNvPr>
+          <p:cNvCxnSpPr>
+            <a:cxnSpLocks noGrp="1" noRot="1" noChangeAspect="1" noMove="1" noResize="1" noEditPoints="1" noAdjustHandles="1" noChangeArrowheads="1" noChangeShapeType="1"/>
+          </p:cNvCxnSpPr>
+          <p:nvPr>
+            <p:extLst>
+              <p:ext uri="{386F3935-93C4-4BCD-93E2-E3B085C9AB24}">
+                <p16:designElem xmlns:p16="http://schemas.microsoft.com/office/powerpoint/2015/main" val="1"/>
+              </p:ext>
+            </p:extLst>
+          </p:nvPr>
+        </p:nvCxnSpPr>
+        <p:spPr>
+          <a:xfrm flipH="1">
+            <a:off x="7425267" y="3681413"/>
+            <a:ext cx="4763558" cy="3176587"/>
+          </a:xfrm>
+          <a:prstGeom prst="line">
+            <a:avLst/>
+          </a:prstGeom>
+          <a:ln w="9525">
+            <a:solidFill>
+              <a:schemeClr val="bg1">
+                <a:lumMod val="85000"/>
+              </a:schemeClr>
+            </a:solidFill>
+          </a:ln>
+        </p:spPr>
+        <p:style>
+          <a:lnRef idx="2">
+            <a:schemeClr val="accent1"/>
+          </a:lnRef>
+          <a:fillRef idx="0">
+            <a:schemeClr val="accent1"/>
+          </a:fillRef>
+          <a:effectRef idx="1">
+            <a:schemeClr val="accent1"/>
+          </a:effectRef>
+          <a:fontRef idx="minor">
+            <a:schemeClr val="tx1"/>
+          </a:fontRef>
+        </p:style>
+      </p:cxnSp>
+      <p:sp>
+        <p:nvSpPr>
+          <p:cNvPr id="13" name="Rectangle 23">
+            <a:extLst>
+              <a:ext uri="{FF2B5EF4-FFF2-40B4-BE49-F238E27FC236}">
+                <a16:creationId xmlns:a16="http://schemas.microsoft.com/office/drawing/2014/main" id="{3F088236-D655-4F88-B238-E16762358025}"/>
+              </a:ext>
+              <a:ext uri="{C183D7F6-B498-43B3-948B-1728B52AA6E4}">
+                <adec:decorative xmlns:adec="http://schemas.microsoft.com/office/drawing/2017/decorative" val="1"/>
+              </a:ext>
+            </a:extLst>
+          </p:cNvPr>
+          <p:cNvSpPr>
+            <a:spLocks noGrp="1" noRot="1" noChangeAspect="1" noMove="1" noResize="1" noEditPoints="1" noAdjustHandles="1" noChangeArrowheads="1" noChangeShapeType="1" noTextEdit="1"/>
+          </p:cNvSpPr>
+          <p:nvPr>
+            <p:extLst>
+              <p:ext uri="{386F3935-93C4-4BCD-93E2-E3B085C9AB24}">
+                <p16:designElem xmlns:p16="http://schemas.microsoft.com/office/powerpoint/2015/main" val="1"/>
+              </p:ext>
+            </p:extLst>
+          </p:nvPr>
+        </p:nvSpPr>
+        <p:spPr>
+          <a:xfrm>
+            <a:off x="9181476" y="-8467"/>
+            <a:ext cx="3007349" cy="6866467"/>
+          </a:xfrm>
+          <a:custGeom>
+            <a:avLst/>
+            <a:gdLst/>
+            <a:ahLst/>
+            <a:cxnLst/>
+            <a:rect l="l" t="t" r="r" b="b"/>
+            <a:pathLst>
+              <a:path w="3007349" h="6866467">
+                <a:moveTo>
+                  <a:pt x="2045532" y="0"/>
+                </a:moveTo>
+                <a:lnTo>
+                  <a:pt x="3007349" y="0"/>
+                </a:lnTo>
+                <a:lnTo>
+                  <a:pt x="3007349" y="6866467"/>
+                </a:lnTo>
+                <a:lnTo>
+                  <a:pt x="0" y="6866467"/>
+                </a:lnTo>
+                <a:lnTo>
+                  <a:pt x="2045532" y="0"/>
+                </a:lnTo>
+                <a:close/>
+              </a:path>
+            </a:pathLst>
+          </a:custGeom>
+          <a:solidFill>
+            <a:schemeClr val="accent1">
+              <a:alpha val="30000"/>
+            </a:schemeClr>
+          </a:solidFill>
+          <a:ln>
+            <a:noFill/>
+          </a:ln>
+          <a:effectLst/>
+        </p:spPr>
+        <p:style>
+          <a:lnRef idx="1">
+            <a:schemeClr val="accent1"/>
+          </a:lnRef>
+          <a:fillRef idx="3">
+            <a:schemeClr val="accent1"/>
+          </a:fillRef>
+          <a:effectRef idx="2">
+            <a:schemeClr val="accent1"/>
+          </a:effectRef>
+          <a:fontRef idx="minor">
+            <a:schemeClr val="lt1"/>
+          </a:fontRef>
+        </p:style>
+      </p:sp>
+      <p:sp>
+        <p:nvSpPr>
+          <p:cNvPr id="15" name="Rectangle 25">
+            <a:extLst>
+              <a:ext uri="{FF2B5EF4-FFF2-40B4-BE49-F238E27FC236}">
+                <a16:creationId xmlns:a16="http://schemas.microsoft.com/office/drawing/2014/main" id="{3DAC0C92-199E-475C-9390-119A9B027276}"/>
+              </a:ext>
+              <a:ext uri="{C183D7F6-B498-43B3-948B-1728B52AA6E4}">
+                <adec:decorative xmlns:adec="http://schemas.microsoft.com/office/drawing/2017/decorative" val="1"/>
+              </a:ext>
+            </a:extLst>
+          </p:cNvPr>
+          <p:cNvSpPr>
+            <a:spLocks noGrp="1" noRot="1" noChangeAspect="1" noMove="1" noResize="1" noEditPoints="1" noAdjustHandles="1" noChangeArrowheads="1" noChangeShapeType="1" noTextEdit="1"/>
+          </p:cNvSpPr>
+          <p:nvPr>
+            <p:extLst>
+              <p:ext uri="{386F3935-93C4-4BCD-93E2-E3B085C9AB24}">
+                <p16:designElem xmlns:p16="http://schemas.microsoft.com/office/powerpoint/2015/main" val="1"/>
+              </p:ext>
+            </p:extLst>
+          </p:nvPr>
+        </p:nvSpPr>
+        <p:spPr>
+          <a:xfrm>
+            <a:off x="9603442" y="-8467"/>
+            <a:ext cx="2588558" cy="6866467"/>
+          </a:xfrm>
+          <a:custGeom>
+            <a:avLst/>
+            <a:gdLst/>
+            <a:ahLst/>
+            <a:cxnLst/>
+            <a:rect l="l" t="t" r="r" b="b"/>
+            <a:pathLst>
+              <a:path w="2573311" h="6866467">
+                <a:moveTo>
+                  <a:pt x="0" y="0"/>
+                </a:moveTo>
+                <a:lnTo>
+                  <a:pt x="2573311" y="0"/>
+                </a:lnTo>
+                <a:lnTo>
+                  <a:pt x="2573311" y="6866467"/>
+                </a:lnTo>
+                <a:lnTo>
+                  <a:pt x="1202336" y="6866467"/>
+                </a:lnTo>
+                <a:lnTo>
+                  <a:pt x="0" y="0"/>
+                </a:lnTo>
+                <a:close/>
+              </a:path>
+            </a:pathLst>
+          </a:custGeom>
+          <a:solidFill>
+            <a:schemeClr val="accent1">
+              <a:alpha val="20000"/>
+            </a:schemeClr>
+          </a:solidFill>
+          <a:ln>
+            <a:noFill/>
+          </a:ln>
+          <a:effectLst/>
+        </p:spPr>
+        <p:style>
+          <a:lnRef idx="1">
+            <a:schemeClr val="accent1"/>
+          </a:lnRef>
+          <a:fillRef idx="3">
+            <a:schemeClr val="accent1"/>
+          </a:fillRef>
+          <a:effectRef idx="2">
+            <a:schemeClr val="accent1"/>
+          </a:effectRef>
+          <a:fontRef idx="minor">
+            <a:schemeClr val="lt1"/>
+          </a:fontRef>
+        </p:style>
+      </p:sp>
+      <p:sp>
+        <p:nvSpPr>
+          <p:cNvPr id="17" name="Isosceles Triangle 24">
+            <a:extLst>
+              <a:ext uri="{FF2B5EF4-FFF2-40B4-BE49-F238E27FC236}">
+                <a16:creationId xmlns:a16="http://schemas.microsoft.com/office/drawing/2014/main" id="{C4CFB339-0ED8-4FE2-9EF1-6D1375B8499B}"/>
+              </a:ext>
+              <a:ext uri="{C183D7F6-B498-43B3-948B-1728B52AA6E4}">
+                <adec:decorative xmlns:adec="http://schemas.microsoft.com/office/drawing/2017/decorative" val="1"/>
+              </a:ext>
+            </a:extLst>
+          </p:cNvPr>
+          <p:cNvSpPr>
+            <a:spLocks noGrp="1" noRot="1" noChangeAspect="1" noMove="1" noResize="1" noEditPoints="1" noAdjustHandles="1" noChangeArrowheads="1" noChangeShapeType="1" noTextEdit="1"/>
+          </p:cNvSpPr>
+          <p:nvPr>
+            <p:extLst>
+              <p:ext uri="{386F3935-93C4-4BCD-93E2-E3B085C9AB24}">
+                <p16:designElem xmlns:p16="http://schemas.microsoft.com/office/powerpoint/2015/main" val="1"/>
+              </p:ext>
+            </p:extLst>
+          </p:nvPr>
+        </p:nvSpPr>
+        <p:spPr>
+          <a:xfrm>
+            <a:off x="8932333" y="3048000"/>
+            <a:ext cx="3259667" cy="3810000"/>
+          </a:xfrm>
+          <a:prstGeom prst="triangle">
+            <a:avLst>
+              <a:gd name="adj" fmla="val 100000"/>
+            </a:avLst>
+          </a:prstGeom>
+          <a:solidFill>
+            <a:schemeClr val="accent2">
+              <a:alpha val="72000"/>
+            </a:schemeClr>
+          </a:solidFill>
+          <a:ln>
+            <a:noFill/>
+          </a:ln>
+          <a:effectLst/>
+        </p:spPr>
+        <p:style>
+          <a:lnRef idx="1">
+            <a:schemeClr val="accent1"/>
+          </a:lnRef>
+          <a:fillRef idx="3">
+            <a:schemeClr val="accent1"/>
+          </a:fillRef>
+          <a:effectRef idx="2">
+            <a:schemeClr val="accent1"/>
+          </a:effectRef>
+          <a:fontRef idx="minor">
+            <a:schemeClr val="lt1"/>
+          </a:fontRef>
+        </p:style>
+      </p:sp>
+      <p:sp>
+        <p:nvSpPr>
+          <p:cNvPr id="19" name="Rectangle 27">
+            <a:extLst>
+              <a:ext uri="{FF2B5EF4-FFF2-40B4-BE49-F238E27FC236}">
+                <a16:creationId xmlns:a16="http://schemas.microsoft.com/office/drawing/2014/main" id="{31896C80-2069-4431-9C19-83B913734490}"/>
+              </a:ext>
+              <a:ext uri="{C183D7F6-B498-43B3-948B-1728B52AA6E4}">
+                <adec:decorative xmlns:adec="http://schemas.microsoft.com/office/drawing/2017/decorative" val="1"/>
+              </a:ext>
+            </a:extLst>
+          </p:cNvPr>
+          <p:cNvSpPr>
+            <a:spLocks noGrp="1" noRot="1" noChangeAspect="1" noMove="1" noResize="1" noEditPoints="1" noAdjustHandles="1" noChangeArrowheads="1" noChangeShapeType="1" noTextEdit="1"/>
+          </p:cNvSpPr>
+          <p:nvPr>
+            <p:extLst>
+              <p:ext uri="{386F3935-93C4-4BCD-93E2-E3B085C9AB24}">
+                <p16:designElem xmlns:p16="http://schemas.microsoft.com/office/powerpoint/2015/main" val="1"/>
+              </p:ext>
+            </p:extLst>
+          </p:nvPr>
+        </p:nvSpPr>
+        <p:spPr>
+          <a:xfrm>
+            <a:off x="9334500" y="-8467"/>
+            <a:ext cx="2854326" cy="6866467"/>
+          </a:xfrm>
+          <a:custGeom>
+            <a:avLst/>
+            <a:gdLst/>
+            <a:ahLst/>
+            <a:cxnLst/>
+            <a:rect l="l" t="t" r="r" b="b"/>
+            <a:pathLst>
+              <a:path w="2858013" h="6866467">
+                <a:moveTo>
+                  <a:pt x="0" y="0"/>
+                </a:moveTo>
+                <a:lnTo>
+                  <a:pt x="2858013" y="0"/>
+                </a:lnTo>
+                <a:lnTo>
+                  <a:pt x="2858013" y="6866467"/>
+                </a:lnTo>
+                <a:lnTo>
+                  <a:pt x="2473942" y="6866467"/>
+                </a:lnTo>
+                <a:lnTo>
+                  <a:pt x="0" y="0"/>
+                </a:lnTo>
+                <a:close/>
+              </a:path>
+            </a:pathLst>
+          </a:custGeom>
+          <a:solidFill>
+            <a:schemeClr val="accent2">
+              <a:lumMod val="75000"/>
+              <a:alpha val="47000"/>
+            </a:schemeClr>
+          </a:solidFill>
+          <a:ln>
+            <a:noFill/>
+          </a:ln>
+          <a:effectLst/>
+        </p:spPr>
+        <p:style>
+          <a:lnRef idx="1">
+            <a:schemeClr val="accent1"/>
+          </a:lnRef>
+          <a:fillRef idx="3">
+            <a:schemeClr val="accent1"/>
+          </a:fillRef>
+          <a:effectRef idx="2">
+            <a:schemeClr val="accent1"/>
+          </a:effectRef>
+          <a:fontRef idx="minor">
+            <a:schemeClr val="lt1"/>
+          </a:fontRef>
+        </p:style>
+      </p:sp>
+      <p:sp>
+        <p:nvSpPr>
+          <p:cNvPr id="21" name="Rectangle 28">
+            <a:extLst>
+              <a:ext uri="{FF2B5EF4-FFF2-40B4-BE49-F238E27FC236}">
+                <a16:creationId xmlns:a16="http://schemas.microsoft.com/office/drawing/2014/main" id="{BF120A21-0841-4823-B0C4-28AEBCEF9B78}"/>
+              </a:ext>
+              <a:ext uri="{C183D7F6-B498-43B3-948B-1728B52AA6E4}">
+                <adec:decorative xmlns:adec="http://schemas.microsoft.com/office/drawing/2017/decorative" val="1"/>
+              </a:ext>
+            </a:extLst>
+          </p:cNvPr>
+          <p:cNvSpPr>
+            <a:spLocks noGrp="1" noRot="1" noChangeAspect="1" noMove="1" noResize="1" noEditPoints="1" noAdjustHandles="1" noChangeArrowheads="1" noChangeShapeType="1" noTextEdit="1"/>
+          </p:cNvSpPr>
+          <p:nvPr>
+            <p:extLst>
+              <p:ext uri="{386F3935-93C4-4BCD-93E2-E3B085C9AB24}">
+                <p16:designElem xmlns:p16="http://schemas.microsoft.com/office/powerpoint/2015/main" val="1"/>
+              </p:ext>
+            </p:extLst>
+          </p:nvPr>
+        </p:nvSpPr>
+        <p:spPr>
+          <a:xfrm>
+            <a:off x="10898730" y="-8467"/>
+            <a:ext cx="1290094" cy="6866467"/>
+          </a:xfrm>
+          <a:custGeom>
+            <a:avLst/>
+            <a:gdLst/>
+            <a:ahLst/>
+            <a:cxnLst/>
+            <a:rect l="l" t="t" r="r" b="b"/>
+            <a:pathLst>
+              <a:path w="1290094" h="6858000">
+                <a:moveTo>
+                  <a:pt x="1019735" y="0"/>
+                </a:moveTo>
+                <a:lnTo>
+                  <a:pt x="1290094" y="0"/>
+                </a:lnTo>
+                <a:lnTo>
+                  <a:pt x="1290094" y="6858000"/>
+                </a:lnTo>
+                <a:lnTo>
+                  <a:pt x="0" y="6858000"/>
+                </a:lnTo>
+                <a:lnTo>
+                  <a:pt x="1019735" y="0"/>
+                </a:lnTo>
+                <a:close/>
+              </a:path>
+            </a:pathLst>
+          </a:custGeom>
+          <a:solidFill>
+            <a:schemeClr val="accent1">
+              <a:lumMod val="60000"/>
+              <a:lumOff val="40000"/>
+              <a:alpha val="70000"/>
+            </a:schemeClr>
+          </a:solidFill>
+          <a:ln>
+            <a:noFill/>
+          </a:ln>
+          <a:effectLst/>
+        </p:spPr>
+        <p:style>
+          <a:lnRef idx="1">
+            <a:schemeClr val="accent1"/>
+          </a:lnRef>
+          <a:fillRef idx="3">
+            <a:schemeClr val="accent1"/>
+          </a:fillRef>
+          <a:effectRef idx="2">
+            <a:schemeClr val="accent1"/>
+          </a:effectRef>
+          <a:fontRef idx="minor">
+            <a:schemeClr val="lt1"/>
+          </a:fontRef>
+        </p:style>
+      </p:sp>
+      <p:sp>
+        <p:nvSpPr>
+          <p:cNvPr id="23" name="Rectangle 29">
+            <a:extLst>
+              <a:ext uri="{FF2B5EF4-FFF2-40B4-BE49-F238E27FC236}">
+                <a16:creationId xmlns:a16="http://schemas.microsoft.com/office/drawing/2014/main" id="{DBB05BAE-BBD3-4289-899F-A6851503C6B0}"/>
+              </a:ext>
+              <a:ext uri="{C183D7F6-B498-43B3-948B-1728B52AA6E4}">
+                <adec:decorative xmlns:adec="http://schemas.microsoft.com/office/drawing/2017/decorative" val="1"/>
+              </a:ext>
+            </a:extLst>
+          </p:cNvPr>
+          <p:cNvSpPr>
+            <a:spLocks noGrp="1" noRot="1" noChangeAspect="1" noMove="1" noResize="1" noEditPoints="1" noAdjustHandles="1" noChangeArrowheads="1" noChangeShapeType="1" noTextEdit="1"/>
+          </p:cNvSpPr>
+          <p:nvPr>
+            <p:extLst>
+              <p:ext uri="{386F3935-93C4-4BCD-93E2-E3B085C9AB24}">
+                <p16:designElem xmlns:p16="http://schemas.microsoft.com/office/powerpoint/2015/main" val="1"/>
+              </p:ext>
+            </p:extLst>
+          </p:nvPr>
+        </p:nvSpPr>
+        <p:spPr>
+          <a:xfrm>
+            <a:off x="10938999" y="-8467"/>
+            <a:ext cx="1249825" cy="6866467"/>
+          </a:xfrm>
+          <a:custGeom>
+            <a:avLst/>
+            <a:gdLst/>
+            <a:ahLst/>
+            <a:cxnLst/>
+            <a:rect l="l" t="t" r="r" b="b"/>
+            <a:pathLst>
+              <a:path w="1249825" h="6858000">
+                <a:moveTo>
+                  <a:pt x="0" y="0"/>
+                </a:moveTo>
+                <a:lnTo>
+                  <a:pt x="1249825" y="0"/>
+                </a:lnTo>
+                <a:lnTo>
+                  <a:pt x="1249825" y="6858000"/>
+                </a:lnTo>
+                <a:lnTo>
+                  <a:pt x="1109382" y="6858000"/>
+                </a:lnTo>
+                <a:lnTo>
+                  <a:pt x="0" y="0"/>
+                </a:lnTo>
+                <a:close/>
+              </a:path>
+            </a:pathLst>
+          </a:custGeom>
+          <a:solidFill>
+            <a:schemeClr val="accent1">
+              <a:alpha val="65000"/>
+            </a:schemeClr>
+          </a:solidFill>
+          <a:ln>
+            <a:noFill/>
+          </a:ln>
+          <a:effectLst/>
+        </p:spPr>
+        <p:style>
+          <a:lnRef idx="1">
+            <a:schemeClr val="accent1"/>
+          </a:lnRef>
+          <a:fillRef idx="3">
+            <a:schemeClr val="accent1"/>
+          </a:fillRef>
+          <a:effectRef idx="2">
+            <a:schemeClr val="accent1"/>
+          </a:effectRef>
+          <a:fontRef idx="minor">
+            <a:schemeClr val="lt1"/>
+          </a:fontRef>
+        </p:style>
+      </p:sp>
+      <p:sp>
+        <p:nvSpPr>
+          <p:cNvPr id="25" name="Isosceles Triangle 29">
+            <a:extLst>
+              <a:ext uri="{FF2B5EF4-FFF2-40B4-BE49-F238E27FC236}">
+                <a16:creationId xmlns:a16="http://schemas.microsoft.com/office/drawing/2014/main" id="{9874D11C-36F5-4BBE-A490-019A54E953B0}"/>
+              </a:ext>
+              <a:ext uri="{C183D7F6-B498-43B3-948B-1728B52AA6E4}">
+                <adec:decorative xmlns:adec="http://schemas.microsoft.com/office/drawing/2017/decorative" val="1"/>
+              </a:ext>
+            </a:extLst>
+          </p:cNvPr>
+          <p:cNvSpPr>
+            <a:spLocks noGrp="1" noRot="1" noChangeAspect="1" noMove="1" noResize="1" noEditPoints="1" noAdjustHandles="1" noChangeArrowheads="1" noChangeShapeType="1" noTextEdit="1"/>
+          </p:cNvSpPr>
+          <p:nvPr>
+            <p:extLst>
+              <p:ext uri="{386F3935-93C4-4BCD-93E2-E3B085C9AB24}">
+                <p16:designElem xmlns:p16="http://schemas.microsoft.com/office/powerpoint/2015/main" val="1"/>
+              </p:ext>
+            </p:extLst>
+          </p:nvPr>
+        </p:nvSpPr>
+        <p:spPr>
+          <a:xfrm>
+            <a:off x="10371666" y="3589867"/>
+            <a:ext cx="1817159" cy="3268133"/>
+          </a:xfrm>
+          <a:prstGeom prst="triangle">
+            <a:avLst>
+              <a:gd name="adj" fmla="val 100000"/>
+            </a:avLst>
+          </a:prstGeom>
+          <a:solidFill>
+            <a:schemeClr val="accent1">
+              <a:alpha val="80000"/>
+            </a:schemeClr>
+          </a:solidFill>
+          <a:ln>
+            <a:noFill/>
+          </a:ln>
+          <a:effectLst/>
+        </p:spPr>
+        <p:style>
+          <a:lnRef idx="1">
+            <a:schemeClr val="accent1"/>
+          </a:lnRef>
+          <a:fillRef idx="3">
+            <a:schemeClr val="accent1"/>
+          </a:fillRef>
+          <a:effectRef idx="2">
+            <a:schemeClr val="accent1"/>
+          </a:effectRef>
+          <a:fontRef idx="minor">
+            <a:schemeClr val="lt1"/>
+          </a:fontRef>
+        </p:style>
+      </p:sp>
+    </p:spTree>
+    <p:extLst>
+      <p:ext uri="{BB962C8B-B14F-4D97-AF65-F5344CB8AC3E}">
+        <p14:creationId xmlns:p14="http://schemas.microsoft.com/office/powerpoint/2010/main" val="2841263659"/>
+      </p:ext>
+    </p:extLst>
+  </p:cSld>
+  <p:clrMapOvr>
+    <a:masterClrMapping/>
+  </p:clrMapOvr>
+</p:sld>
+</file>
+
+<file path=ppt/slides/slide3.xml><?xml version="1.0" encoding="utf-8"?>
+<p:sld xmlns:a="http://schemas.openxmlformats.org/drawingml/2006/main" xmlns:r="http://schemas.openxmlformats.org/officeDocument/2006/relationships" xmlns:p="http://schemas.openxmlformats.org/presentationml/2006/main">
+  <p:cSld>
     <p:spTree>
       <p:nvGrpSpPr>
         <p:cNvPr id="1" name=""/>
@@ -6163,7 +7100,7 @@
     </p:spTree>
     <p:extLst>
       <p:ext uri="{BB962C8B-B14F-4D97-AF65-F5344CB8AC3E}">
-        <p14:creationId xmlns:p14="http://schemas.microsoft.com/office/powerpoint/2010/main" val="2841263659"/>
+        <p14:creationId xmlns:p14="http://schemas.microsoft.com/office/powerpoint/2010/main" val="3144603555"/>
       </p:ext>
     </p:extLst>
   </p:cSld>
@@ -6173,7 +7110,7 @@
 </p:sld>
 </file>
 
-<file path=ppt/slides/slide3.xml><?xml version="1.0" encoding="utf-8"?>
+<file path=ppt/slides/slide4.xml><?xml version="1.0" encoding="utf-8"?>
 <p:sld xmlns:a="http://schemas.openxmlformats.org/drawingml/2006/main" xmlns:r="http://schemas.openxmlformats.org/officeDocument/2006/relationships" xmlns:p="http://schemas.openxmlformats.org/presentationml/2006/main">
   <p:cSld>
     <p:spTree>
@@ -6380,7 +7317,7 @@
 </p:sld>
 </file>
 
-<file path=ppt/slides/slide4.xml><?xml version="1.0" encoding="utf-8"?>
+<file path=ppt/slides/slide5.xml><?xml version="1.0" encoding="utf-8"?>
 <p:sld xmlns:a="http://schemas.openxmlformats.org/drawingml/2006/main" xmlns:r="http://schemas.openxmlformats.org/officeDocument/2006/relationships" xmlns:p="http://schemas.openxmlformats.org/presentationml/2006/main">
   <p:cSld>
     <p:spTree>
@@ -6524,104 +7461,6 @@
 </p:sld>
 </file>
 
-<file path=ppt/slides/slide5.xml><?xml version="1.0" encoding="utf-8"?>
-<p:sld xmlns:a="http://schemas.openxmlformats.org/drawingml/2006/main" xmlns:r="http://schemas.openxmlformats.org/officeDocument/2006/relationships" xmlns:p="http://schemas.openxmlformats.org/presentationml/2006/main">
-  <p:cSld>
-    <p:spTree>
-      <p:nvGrpSpPr>
-        <p:cNvPr id="1" name=""/>
-        <p:cNvGrpSpPr/>
-        <p:nvPr/>
-      </p:nvGrpSpPr>
-      <p:grpSpPr>
-        <a:xfrm>
-          <a:off x="0" y="0"/>
-          <a:ext cx="0" cy="0"/>
-          <a:chOff x="0" y="0"/>
-          <a:chExt cx="0" cy="0"/>
-        </a:xfrm>
-      </p:grpSpPr>
-      <p:sp>
-        <p:nvSpPr>
-          <p:cNvPr id="2" name="Title 1">
-            <a:extLst>
-              <a:ext uri="{FF2B5EF4-FFF2-40B4-BE49-F238E27FC236}">
-                <a16:creationId xmlns:a16="http://schemas.microsoft.com/office/drawing/2014/main" id="{1AE1659A-456E-43F8-8716-EE1AFA78CDE2}"/>
-              </a:ext>
-            </a:extLst>
-          </p:cNvPr>
-          <p:cNvSpPr>
-            <a:spLocks noGrp="1"/>
-          </p:cNvSpPr>
-          <p:nvPr>
-            <p:ph type="title"/>
-          </p:nvPr>
-        </p:nvSpPr>
-        <p:spPr>
-          <a:xfrm>
-            <a:off x="677334" y="304800"/>
-            <a:ext cx="8596668" cy="757382"/>
-          </a:xfrm>
-        </p:spPr>
-        <p:txBody>
-          <a:bodyPr/>
-          <a:lstStyle/>
-          <a:p>
-            <a:pPr algn="ctr"/>
-            <a:r>
-              <a:rPr lang="en-US" dirty="0"/>
-              <a:t>Transform</a:t>
-            </a:r>
-          </a:p>
-        </p:txBody>
-      </p:sp>
-      <p:sp>
-        <p:nvSpPr>
-          <p:cNvPr id="3" name="Content Placeholder 2">
-            <a:extLst>
-              <a:ext uri="{FF2B5EF4-FFF2-40B4-BE49-F238E27FC236}">
-                <a16:creationId xmlns:a16="http://schemas.microsoft.com/office/drawing/2014/main" id="{4FC0D2C8-710F-4856-854C-896876A83B37}"/>
-              </a:ext>
-            </a:extLst>
-          </p:cNvPr>
-          <p:cNvSpPr>
-            <a:spLocks noGrp="1"/>
-          </p:cNvSpPr>
-          <p:nvPr>
-            <p:ph idx="1"/>
-          </p:nvPr>
-        </p:nvSpPr>
-        <p:spPr>
-          <a:xfrm>
-            <a:off x="677334" y="942109"/>
-            <a:ext cx="8596668" cy="5099253"/>
-          </a:xfrm>
-        </p:spPr>
-        <p:txBody>
-          <a:bodyPr/>
-          <a:lstStyle/>
-          <a:p>
-            <a:r>
-              <a:rPr lang="en-US"/>
-              <a:t>Added </a:t>
-            </a:r>
-            <a:endParaRPr lang="en-US" dirty="0"/>
-          </a:p>
-        </p:txBody>
-      </p:sp>
-    </p:spTree>
-    <p:extLst>
-      <p:ext uri="{BB962C8B-B14F-4D97-AF65-F5344CB8AC3E}">
-        <p14:creationId xmlns:p14="http://schemas.microsoft.com/office/powerpoint/2010/main" val="2357786455"/>
-      </p:ext>
-    </p:extLst>
-  </p:cSld>
-  <p:clrMapOvr>
-    <a:masterClrMapping/>
-  </p:clrMapOvr>
-</p:sld>
-</file>
-
 <file path=ppt/slides/slide6.xml><?xml version="1.0" encoding="utf-8"?>
 <p:sld xmlns:a="http://schemas.openxmlformats.org/drawingml/2006/main" xmlns:r="http://schemas.openxmlformats.org/officeDocument/2006/relationships" xmlns:p="http://schemas.openxmlformats.org/presentationml/2006/main">
   <p:cSld>
@@ -6655,6 +7494,163 @@
             <p:ph type="title"/>
           </p:nvPr>
         </p:nvSpPr>
+        <p:spPr>
+          <a:xfrm>
+            <a:off x="677334" y="304800"/>
+            <a:ext cx="8596668" cy="757382"/>
+          </a:xfrm>
+        </p:spPr>
+        <p:txBody>
+          <a:bodyPr/>
+          <a:lstStyle/>
+          <a:p>
+            <a:pPr algn="ctr"/>
+            <a:r>
+              <a:rPr lang="en-US" dirty="0"/>
+              <a:t>Transform</a:t>
+            </a:r>
+          </a:p>
+        </p:txBody>
+      </p:sp>
+      <p:sp>
+        <p:nvSpPr>
+          <p:cNvPr id="3" name="Content Placeholder 2">
+            <a:extLst>
+              <a:ext uri="{FF2B5EF4-FFF2-40B4-BE49-F238E27FC236}">
+                <a16:creationId xmlns:a16="http://schemas.microsoft.com/office/drawing/2014/main" id="{4FC0D2C8-710F-4856-854C-896876A83B37}"/>
+              </a:ext>
+            </a:extLst>
+          </p:cNvPr>
+          <p:cNvSpPr>
+            <a:spLocks noGrp="1"/>
+          </p:cNvSpPr>
+          <p:nvPr>
+            <p:ph idx="1"/>
+          </p:nvPr>
+        </p:nvSpPr>
+        <p:spPr>
+          <a:xfrm>
+            <a:off x="677334" y="942109"/>
+            <a:ext cx="8596668" cy="5099253"/>
+          </a:xfrm>
+        </p:spPr>
+        <p:txBody>
+          <a:bodyPr/>
+          <a:lstStyle/>
+          <a:p>
+            <a:r>
+              <a:rPr lang="en-US" dirty="0"/>
+              <a:t>Added Primary Key to tables</a:t>
+            </a:r>
+          </a:p>
+          <a:p>
+            <a:endParaRPr lang="en-US" dirty="0"/>
+          </a:p>
+          <a:p>
+            <a:r>
+              <a:rPr lang="en-US" dirty="0"/>
+              <a:t>Joined Tables</a:t>
+            </a:r>
+          </a:p>
+          <a:p>
+            <a:pPr marL="0" indent="0">
+              <a:buNone/>
+            </a:pPr>
+            <a:r>
+              <a:rPr lang="en-US" dirty="0"/>
+              <a:t> </a:t>
+            </a:r>
+          </a:p>
+          <a:p>
+            <a:pPr marL="0" indent="0">
+              <a:buNone/>
+            </a:pPr>
+            <a:endParaRPr lang="en-US" dirty="0"/>
+          </a:p>
+          <a:p>
+            <a:pPr marL="0" indent="0">
+              <a:buNone/>
+            </a:pPr>
+            <a:endParaRPr lang="en-US" dirty="0"/>
+          </a:p>
+        </p:txBody>
+      </p:sp>
+      <p:pic>
+        <p:nvPicPr>
+          <p:cNvPr id="5" name="Picture 4">
+            <a:extLst>
+              <a:ext uri="{FF2B5EF4-FFF2-40B4-BE49-F238E27FC236}">
+                <a16:creationId xmlns:a16="http://schemas.microsoft.com/office/drawing/2014/main" id="{89F05125-99B0-43B2-A1E6-8E0997D08168}"/>
+              </a:ext>
+            </a:extLst>
+          </p:cNvPr>
+          <p:cNvPicPr>
+            <a:picLocks noChangeAspect="1"/>
+          </p:cNvPicPr>
+          <p:nvPr/>
+        </p:nvPicPr>
+        <p:blipFill>
+          <a:blip r:embed="rId2"/>
+          <a:stretch>
+            <a:fillRect/>
+          </a:stretch>
+        </p:blipFill>
+        <p:spPr>
+          <a:xfrm>
+            <a:off x="5176291" y="1051771"/>
+            <a:ext cx="2800000" cy="1666667"/>
+          </a:xfrm>
+          <a:prstGeom prst="rect">
+            <a:avLst/>
+          </a:prstGeom>
+        </p:spPr>
+      </p:pic>
+    </p:spTree>
+    <p:extLst>
+      <p:ext uri="{BB962C8B-B14F-4D97-AF65-F5344CB8AC3E}">
+        <p14:creationId xmlns:p14="http://schemas.microsoft.com/office/powerpoint/2010/main" val="2357786455"/>
+      </p:ext>
+    </p:extLst>
+  </p:cSld>
+  <p:clrMapOvr>
+    <a:masterClrMapping/>
+  </p:clrMapOvr>
+</p:sld>
+</file>
+
+<file path=ppt/slides/slide7.xml><?xml version="1.0" encoding="utf-8"?>
+<p:sld xmlns:a="http://schemas.openxmlformats.org/drawingml/2006/main" xmlns:r="http://schemas.openxmlformats.org/officeDocument/2006/relationships" xmlns:p="http://schemas.openxmlformats.org/presentationml/2006/main">
+  <p:cSld>
+    <p:spTree>
+      <p:nvGrpSpPr>
+        <p:cNvPr id="1" name=""/>
+        <p:cNvGrpSpPr/>
+        <p:nvPr/>
+      </p:nvGrpSpPr>
+      <p:grpSpPr>
+        <a:xfrm>
+          <a:off x="0" y="0"/>
+          <a:ext cx="0" cy="0"/>
+          <a:chOff x="0" y="0"/>
+          <a:chExt cx="0" cy="0"/>
+        </a:xfrm>
+      </p:grpSpPr>
+      <p:sp>
+        <p:nvSpPr>
+          <p:cNvPr id="2" name="Title 1">
+            <a:extLst>
+              <a:ext uri="{FF2B5EF4-FFF2-40B4-BE49-F238E27FC236}">
+                <a16:creationId xmlns:a16="http://schemas.microsoft.com/office/drawing/2014/main" id="{1AE1659A-456E-43F8-8716-EE1AFA78CDE2}"/>
+              </a:ext>
+            </a:extLst>
+          </p:cNvPr>
+          <p:cNvSpPr>
+            <a:spLocks noGrp="1"/>
+          </p:cNvSpPr>
+          <p:nvPr>
+            <p:ph type="title"/>
+          </p:nvPr>
+        </p:nvSpPr>
         <p:spPr/>
         <p:txBody>
           <a:bodyPr/>
@@ -6706,7 +7702,7 @@
 </p:sld>
 </file>
 
-<file path=ppt/slides/slide7.xml><?xml version="1.0" encoding="utf-8"?>
+<file path=ppt/slides/slide8.xml><?xml version="1.0" encoding="utf-8"?>
 <p:sld xmlns:a="http://schemas.openxmlformats.org/drawingml/2006/main" xmlns:r="http://schemas.openxmlformats.org/officeDocument/2006/relationships" xmlns:p="http://schemas.openxmlformats.org/presentationml/2006/main">
   <p:cSld>
     <p:spTree>

--- a/Carolina Brew.pptx
+++ b/Carolina Brew.pptx
@@ -7605,6 +7605,42 @@
           </a:prstGeom>
         </p:spPr>
       </p:pic>
+      <p:pic>
+        <p:nvPicPr>
+          <p:cNvPr id="6" name="Picture 5" descr="Graphical user interface&#10;&#10;Description automatically generated">
+            <a:extLst>
+              <a:ext uri="{FF2B5EF4-FFF2-40B4-BE49-F238E27FC236}">
+                <a16:creationId xmlns:a16="http://schemas.microsoft.com/office/drawing/2014/main" id="{69923303-3E54-4532-90C0-AC7AB447500E}"/>
+              </a:ext>
+            </a:extLst>
+          </p:cNvPr>
+          <p:cNvPicPr>
+            <a:picLocks noChangeAspect="1"/>
+          </p:cNvPicPr>
+          <p:nvPr/>
+        </p:nvPicPr>
+        <p:blipFill>
+          <a:blip r:embed="rId3">
+            <a:extLst>
+              <a:ext uri="{28A0092B-C50C-407E-A947-70E740481C1C}">
+                <a14:useLocalDpi xmlns:a14="http://schemas.microsoft.com/office/drawing/2010/main" val="0"/>
+              </a:ext>
+            </a:extLst>
+          </a:blip>
+          <a:stretch>
+            <a:fillRect/>
+          </a:stretch>
+        </p:blipFill>
+        <p:spPr>
+          <a:xfrm>
+            <a:off x="891770" y="2303711"/>
+            <a:ext cx="3775364" cy="3737651"/>
+          </a:xfrm>
+          <a:prstGeom prst="rect">
+            <a:avLst/>
+          </a:prstGeom>
+        </p:spPr>
+      </p:pic>
     </p:spTree>
     <p:extLst>
       <p:ext uri="{BB962C8B-B14F-4D97-AF65-F5344CB8AC3E}">

--- a/Carolina Brew.pptx
+++ b/Carolina Brew.pptx
@@ -6123,7 +6123,7 @@
             </a:r>
             <a:r>
               <a:rPr lang="en-US" dirty="0" err="1"/>
-              <a:t>closterphobia</a:t>
+              <a:t>clausterphobia</a:t>
             </a:r>
             <a:endParaRPr lang="en-US" dirty="0"/>
           </a:p>

--- a/Carolina Brew.pptx
+++ b/Carolina Brew.pptx
@@ -841,7 +841,7 @@
           <a:p>
             <a:fld id="{279B7C1F-9F85-4760-8617-72BCFC597A93}" type="datetimeFigureOut">
               <a:rPr lang="en-US" smtClean="0"/>
-              <a:t>3/21/2021</a:t>
+              <a:t>3/22/2021</a:t>
             </a:fld>
             <a:endParaRPr lang="en-US"/>
           </a:p>
@@ -1092,7 +1092,7 @@
           <a:p>
             <a:fld id="{279B7C1F-9F85-4760-8617-72BCFC597A93}" type="datetimeFigureOut">
               <a:rPr lang="en-US" smtClean="0"/>
-              <a:t>3/21/2021</a:t>
+              <a:t>3/22/2021</a:t>
             </a:fld>
             <a:endParaRPr lang="en-US"/>
           </a:p>
@@ -1406,7 +1406,7 @@
           <a:p>
             <a:fld id="{279B7C1F-9F85-4760-8617-72BCFC597A93}" type="datetimeFigureOut">
               <a:rPr lang="en-US" smtClean="0"/>
-              <a:t>3/21/2021</a:t>
+              <a:t>3/22/2021</a:t>
             </a:fld>
             <a:endParaRPr lang="en-US"/>
           </a:p>
@@ -1747,7 +1747,7 @@
           <a:p>
             <a:fld id="{279B7C1F-9F85-4760-8617-72BCFC597A93}" type="datetimeFigureOut">
               <a:rPr lang="en-US" smtClean="0"/>
-              <a:t>3/21/2021</a:t>
+              <a:t>3/22/2021</a:t>
             </a:fld>
             <a:endParaRPr lang="en-US"/>
           </a:p>
@@ -2061,7 +2061,7 @@
           <a:p>
             <a:fld id="{279B7C1F-9F85-4760-8617-72BCFC597A93}" type="datetimeFigureOut">
               <a:rPr lang="en-US" smtClean="0"/>
-              <a:t>3/21/2021</a:t>
+              <a:t>3/22/2021</a:t>
             </a:fld>
             <a:endParaRPr lang="en-US"/>
           </a:p>
@@ -2454,7 +2454,7 @@
           <a:p>
             <a:fld id="{279B7C1F-9F85-4760-8617-72BCFC597A93}" type="datetimeFigureOut">
               <a:rPr lang="en-US" smtClean="0"/>
-              <a:t>3/21/2021</a:t>
+              <a:t>3/22/2021</a:t>
             </a:fld>
             <a:endParaRPr lang="en-US"/>
           </a:p>
@@ -2624,7 +2624,7 @@
           <a:p>
             <a:fld id="{279B7C1F-9F85-4760-8617-72BCFC597A93}" type="datetimeFigureOut">
               <a:rPr lang="en-US" smtClean="0"/>
-              <a:t>3/21/2021</a:t>
+              <a:t>3/22/2021</a:t>
             </a:fld>
             <a:endParaRPr lang="en-US"/>
           </a:p>
@@ -2804,7 +2804,7 @@
           <a:p>
             <a:fld id="{279B7C1F-9F85-4760-8617-72BCFC597A93}" type="datetimeFigureOut">
               <a:rPr lang="en-US" smtClean="0"/>
-              <a:t>3/21/2021</a:t>
+              <a:t>3/22/2021</a:t>
             </a:fld>
             <a:endParaRPr lang="en-US"/>
           </a:p>
@@ -2980,7 +2980,7 @@
           <a:p>
             <a:fld id="{279B7C1F-9F85-4760-8617-72BCFC597A93}" type="datetimeFigureOut">
               <a:rPr lang="en-US" smtClean="0"/>
-              <a:t>3/21/2021</a:t>
+              <a:t>3/22/2021</a:t>
             </a:fld>
             <a:endParaRPr lang="en-US"/>
           </a:p>
@@ -3227,7 +3227,7 @@
           <a:p>
             <a:fld id="{279B7C1F-9F85-4760-8617-72BCFC597A93}" type="datetimeFigureOut">
               <a:rPr lang="en-US" smtClean="0"/>
-              <a:t>3/21/2021</a:t>
+              <a:t>3/22/2021</a:t>
             </a:fld>
             <a:endParaRPr lang="en-US"/>
           </a:p>
@@ -3459,7 +3459,7 @@
           <a:p>
             <a:fld id="{279B7C1F-9F85-4760-8617-72BCFC597A93}" type="datetimeFigureOut">
               <a:rPr lang="en-US" smtClean="0"/>
-              <a:t>3/21/2021</a:t>
+              <a:t>3/22/2021</a:t>
             </a:fld>
             <a:endParaRPr lang="en-US"/>
           </a:p>
@@ -3833,7 +3833,7 @@
           <a:p>
             <a:fld id="{279B7C1F-9F85-4760-8617-72BCFC597A93}" type="datetimeFigureOut">
               <a:rPr lang="en-US" smtClean="0"/>
-              <a:t>3/21/2021</a:t>
+              <a:t>3/22/2021</a:t>
             </a:fld>
             <a:endParaRPr lang="en-US"/>
           </a:p>
@@ -3956,7 +3956,7 @@
           <a:p>
             <a:fld id="{279B7C1F-9F85-4760-8617-72BCFC597A93}" type="datetimeFigureOut">
               <a:rPr lang="en-US" smtClean="0"/>
-              <a:t>3/21/2021</a:t>
+              <a:t>3/22/2021</a:t>
             </a:fld>
             <a:endParaRPr lang="en-US"/>
           </a:p>
@@ -4051,7 +4051,7 @@
           <a:p>
             <a:fld id="{279B7C1F-9F85-4760-8617-72BCFC597A93}" type="datetimeFigureOut">
               <a:rPr lang="en-US" smtClean="0"/>
-              <a:t>3/21/2021</a:t>
+              <a:t>3/22/2021</a:t>
             </a:fld>
             <a:endParaRPr lang="en-US"/>
           </a:p>
@@ -4306,7 +4306,7 @@
           <a:p>
             <a:fld id="{279B7C1F-9F85-4760-8617-72BCFC597A93}" type="datetimeFigureOut">
               <a:rPr lang="en-US" smtClean="0"/>
-              <a:t>3/21/2021</a:t>
+              <a:t>3/22/2021</a:t>
             </a:fld>
             <a:endParaRPr lang="en-US"/>
           </a:p>
@@ -4569,7 +4569,7 @@
           <a:p>
             <a:fld id="{279B7C1F-9F85-4760-8617-72BCFC597A93}" type="datetimeFigureOut">
               <a:rPr lang="en-US" smtClean="0"/>
-              <a:t>3/21/2021</a:t>
+              <a:t>3/22/2021</a:t>
             </a:fld>
             <a:endParaRPr lang="en-US"/>
           </a:p>
@@ -5312,7 +5312,7 @@
           <a:p>
             <a:fld id="{279B7C1F-9F85-4760-8617-72BCFC597A93}" type="datetimeFigureOut">
               <a:rPr lang="en-US" smtClean="0"/>
-              <a:t>3/21/2021</a:t>
+              <a:t>3/22/2021</a:t>
             </a:fld>
             <a:endParaRPr lang="en-US"/>
           </a:p>
@@ -7276,10 +7276,10 @@
       </p:pic>
       <p:pic>
         <p:nvPicPr>
-          <p:cNvPr id="7" name="Picture 6">
+          <p:cNvPr id="6" name="Picture 5">
             <a:extLst>
               <a:ext uri="{FF2B5EF4-FFF2-40B4-BE49-F238E27FC236}">
-                <a16:creationId xmlns:a16="http://schemas.microsoft.com/office/drawing/2014/main" id="{2F7EC1D9-4C44-4DAA-B168-104F5713D734}"/>
+                <a16:creationId xmlns:a16="http://schemas.microsoft.com/office/drawing/2014/main" id="{6FD40C40-F8F4-45CF-844E-F5C31E3543F2}"/>
               </a:ext>
             </a:extLst>
           </p:cNvPr>
@@ -7296,8 +7296,8 @@
         </p:blipFill>
         <p:spPr>
           <a:xfrm>
-            <a:off x="3763078" y="4819755"/>
-            <a:ext cx="4333333" cy="1638095"/>
+            <a:off x="1064065" y="4912119"/>
+            <a:ext cx="7830553" cy="1306420"/>
           </a:xfrm>
           <a:prstGeom prst="rect">
             <a:avLst/>
@@ -7420,10 +7420,10 @@
       </p:sp>
       <p:pic>
         <p:nvPicPr>
-          <p:cNvPr id="5" name="Picture 4">
+          <p:cNvPr id="6" name="Picture 5">
             <a:extLst>
               <a:ext uri="{FF2B5EF4-FFF2-40B4-BE49-F238E27FC236}">
-                <a16:creationId xmlns:a16="http://schemas.microsoft.com/office/drawing/2014/main" id="{B0E526D5-7C22-446B-A153-CA829538E040}"/>
+                <a16:creationId xmlns:a16="http://schemas.microsoft.com/office/drawing/2014/main" id="{96972123-A2DC-4233-A1EC-3CA1B4958E6B}"/>
               </a:ext>
             </a:extLst>
           </p:cNvPr>
@@ -7440,8 +7440,8 @@
         </p:blipFill>
         <p:spPr>
           <a:xfrm>
-            <a:off x="4542297" y="1423366"/>
-            <a:ext cx="3844322" cy="4747156"/>
+            <a:off x="4101327" y="1444894"/>
+            <a:ext cx="4427624" cy="4808124"/>
           </a:xfrm>
           <a:prstGeom prst="rect">
             <a:avLst/>
@@ -7540,17 +7540,52 @@
           <a:p>
             <a:r>
               <a:rPr lang="en-US" dirty="0"/>
-              <a:t>Added Primary Key to tables</a:t>
+              <a:t>Altered </a:t>
+            </a:r>
+            <a:r>
+              <a:rPr lang="en-US" dirty="0" err="1"/>
+              <a:t>Breweries_data</a:t>
+            </a:r>
+            <a:r>
+              <a:rPr lang="en-US" dirty="0"/>
+              <a:t> by adding three columns</a:t>
             </a:r>
           </a:p>
           <a:p>
             <a:endParaRPr lang="en-US" dirty="0"/>
           </a:p>
           <a:p>
+            <a:endParaRPr lang="en-US" dirty="0"/>
+          </a:p>
+          <a:p>
+            <a:endParaRPr lang="en-US" dirty="0"/>
+          </a:p>
+          <a:p>
             <a:r>
               <a:rPr lang="en-US" dirty="0"/>
-              <a:t>Joined Tables</a:t>
-            </a:r>
+              <a:t>Confirmed tables were present in pgAdmin4</a:t>
+            </a:r>
+          </a:p>
+          <a:p>
+            <a:endParaRPr lang="en-US" dirty="0"/>
+          </a:p>
+          <a:p>
+            <a:endParaRPr lang="en-US" dirty="0"/>
+          </a:p>
+          <a:p>
+            <a:endParaRPr lang="en-US" dirty="0"/>
+          </a:p>
+          <a:p>
+            <a:endParaRPr lang="en-US" dirty="0"/>
+          </a:p>
+          <a:p>
+            <a:r>
+              <a:rPr lang="en-US" dirty="0"/>
+              <a:t>Merged tables to create one final table</a:t>
+            </a:r>
+          </a:p>
+          <a:p>
+            <a:endParaRPr lang="en-US" dirty="0"/>
           </a:p>
           <a:p>
             <a:pPr marL="0" indent="0">
@@ -7577,10 +7612,10 @@
       </p:sp>
       <p:pic>
         <p:nvPicPr>
-          <p:cNvPr id="5" name="Picture 4">
+          <p:cNvPr id="7" name="Picture 6">
             <a:extLst>
               <a:ext uri="{FF2B5EF4-FFF2-40B4-BE49-F238E27FC236}">
-                <a16:creationId xmlns:a16="http://schemas.microsoft.com/office/drawing/2014/main" id="{89F05125-99B0-43B2-A1E6-8E0997D08168}"/>
+                <a16:creationId xmlns:a16="http://schemas.microsoft.com/office/drawing/2014/main" id="{17F7AF7A-4937-4074-90B6-93C977726D24}"/>
               </a:ext>
             </a:extLst>
           </p:cNvPr>
@@ -7597,8 +7632,8 @@
         </p:blipFill>
         <p:spPr>
           <a:xfrm>
-            <a:off x="5176291" y="1051771"/>
-            <a:ext cx="2800000" cy="1666667"/>
+            <a:off x="928873" y="1360256"/>
+            <a:ext cx="3714286" cy="904762"/>
           </a:xfrm>
           <a:prstGeom prst="rect">
             <a:avLst/>
@@ -7607,10 +7642,10 @@
       </p:pic>
       <p:pic>
         <p:nvPicPr>
-          <p:cNvPr id="6" name="Picture 5" descr="Graphical user interface&#10;&#10;Description automatically generated">
+          <p:cNvPr id="9" name="Picture 8">
             <a:extLst>
               <a:ext uri="{FF2B5EF4-FFF2-40B4-BE49-F238E27FC236}">
-                <a16:creationId xmlns:a16="http://schemas.microsoft.com/office/drawing/2014/main" id="{69923303-3E54-4532-90C0-AC7AB447500E}"/>
+                <a16:creationId xmlns:a16="http://schemas.microsoft.com/office/drawing/2014/main" id="{B5083E8A-4F7E-4F59-BAC4-7B9E3B1D669F}"/>
               </a:ext>
             </a:extLst>
           </p:cNvPr>
@@ -7620,21 +7655,45 @@
           <p:nvPr/>
         </p:nvPicPr>
         <p:blipFill>
-          <a:blip r:embed="rId3">
-            <a:extLst>
-              <a:ext uri="{28A0092B-C50C-407E-A947-70E740481C1C}">
-                <a14:useLocalDpi xmlns:a14="http://schemas.microsoft.com/office/drawing/2010/main" val="0"/>
-              </a:ext>
-            </a:extLst>
-          </a:blip>
+          <a:blip r:embed="rId3"/>
           <a:stretch>
             <a:fillRect/>
           </a:stretch>
         </p:blipFill>
         <p:spPr>
           <a:xfrm>
-            <a:off x="891770" y="2303711"/>
-            <a:ext cx="3775364" cy="3737651"/>
+            <a:off x="1090493" y="2947010"/>
+            <a:ext cx="2714286" cy="1209524"/>
+          </a:xfrm>
+          <a:prstGeom prst="rect">
+            <a:avLst/>
+          </a:prstGeom>
+        </p:spPr>
+      </p:pic>
+      <p:pic>
+        <p:nvPicPr>
+          <p:cNvPr id="11" name="Picture 10">
+            <a:extLst>
+              <a:ext uri="{FF2B5EF4-FFF2-40B4-BE49-F238E27FC236}">
+                <a16:creationId xmlns:a16="http://schemas.microsoft.com/office/drawing/2014/main" id="{FC853445-C5BC-4D5A-A3FD-04508DF94FBA}"/>
+              </a:ext>
+            </a:extLst>
+          </p:cNvPr>
+          <p:cNvPicPr>
+            <a:picLocks noChangeAspect="1"/>
+          </p:cNvPicPr>
+          <p:nvPr/>
+        </p:nvPicPr>
+        <p:blipFill>
+          <a:blip r:embed="rId4"/>
+          <a:stretch>
+            <a:fillRect/>
+          </a:stretch>
+        </p:blipFill>
+        <p:spPr>
+          <a:xfrm>
+            <a:off x="5419106" y="3429000"/>
+            <a:ext cx="3238095" cy="2438095"/>
           </a:xfrm>
           <a:prstGeom prst="rect">
             <a:avLst/>
@@ -7687,7 +7746,12 @@
             <p:ph type="title"/>
           </p:nvPr>
         </p:nvSpPr>
-        <p:spPr/>
+        <p:spPr>
+          <a:xfrm>
+            <a:off x="677334" y="397164"/>
+            <a:ext cx="8596668" cy="683491"/>
+          </a:xfrm>
+        </p:spPr>
         <p:txBody>
           <a:bodyPr/>
           <a:lstStyle/>
@@ -7716,15 +7780,155 @@
             <p:ph idx="1"/>
           </p:nvPr>
         </p:nvSpPr>
-        <p:spPr/>
+        <p:spPr>
+          <a:xfrm>
+            <a:off x="677334" y="1080655"/>
+            <a:ext cx="8596668" cy="4960708"/>
+          </a:xfrm>
+        </p:spPr>
         <p:txBody>
           <a:bodyPr/>
           <a:lstStyle/>
           <a:p>
-            <a:endParaRPr lang="en-US"/>
-          </a:p>
-        </p:txBody>
-      </p:sp>
+            <a:pPr marL="0" indent="0">
+              <a:buNone/>
+            </a:pPr>
+            <a:r>
+              <a:rPr lang="en-US" dirty="0"/>
+              <a:t>	Confirmed data in merged tables (FINAL TABLE: Breweries)</a:t>
+            </a:r>
+          </a:p>
+          <a:p>
+            <a:pPr marL="0" indent="0">
+              <a:buNone/>
+            </a:pPr>
+            <a:endParaRPr lang="en-US" dirty="0"/>
+          </a:p>
+          <a:p>
+            <a:pPr marL="0" indent="0">
+              <a:buNone/>
+            </a:pPr>
+            <a:endParaRPr lang="en-US" dirty="0"/>
+          </a:p>
+          <a:p>
+            <a:pPr marL="0" indent="0">
+              <a:buNone/>
+            </a:pPr>
+            <a:endParaRPr lang="en-US" dirty="0"/>
+          </a:p>
+          <a:p>
+            <a:pPr marL="0" indent="0">
+              <a:buNone/>
+            </a:pPr>
+            <a:endParaRPr lang="en-US" dirty="0"/>
+          </a:p>
+          <a:p>
+            <a:pPr marL="0" indent="0">
+              <a:buNone/>
+            </a:pPr>
+            <a:endParaRPr lang="en-US" dirty="0"/>
+          </a:p>
+          <a:p>
+            <a:pPr marL="0" indent="0">
+              <a:buNone/>
+            </a:pPr>
+            <a:endParaRPr lang="en-US" dirty="0"/>
+          </a:p>
+          <a:p>
+            <a:pPr marL="0" indent="0">
+              <a:buNone/>
+            </a:pPr>
+            <a:endParaRPr lang="en-US" dirty="0"/>
+          </a:p>
+          <a:p>
+            <a:pPr marL="0" indent="0">
+              <a:buNone/>
+            </a:pPr>
+            <a:endParaRPr lang="en-US" dirty="0"/>
+          </a:p>
+          <a:p>
+            <a:pPr marL="0" indent="0">
+              <a:buNone/>
+            </a:pPr>
+            <a:endParaRPr lang="en-US" dirty="0"/>
+          </a:p>
+          <a:p>
+            <a:pPr marL="0" indent="0">
+              <a:buNone/>
+            </a:pPr>
+            <a:r>
+              <a:rPr lang="en-US" dirty="0"/>
+              <a:t>        Confirmed size of table – 117 Rows</a:t>
+            </a:r>
+          </a:p>
+          <a:p>
+            <a:pPr marL="0" indent="0">
+              <a:buNone/>
+            </a:pPr>
+            <a:endParaRPr lang="en-US" dirty="0"/>
+          </a:p>
+        </p:txBody>
+      </p:sp>
+      <p:pic>
+        <p:nvPicPr>
+          <p:cNvPr id="5" name="Picture 4">
+            <a:extLst>
+              <a:ext uri="{FF2B5EF4-FFF2-40B4-BE49-F238E27FC236}">
+                <a16:creationId xmlns:a16="http://schemas.microsoft.com/office/drawing/2014/main" id="{8528177D-4810-475A-A524-A6CAAAFA7B30}"/>
+              </a:ext>
+            </a:extLst>
+          </p:cNvPr>
+          <p:cNvPicPr>
+            <a:picLocks noChangeAspect="1"/>
+          </p:cNvPicPr>
+          <p:nvPr/>
+        </p:nvPicPr>
+        <p:blipFill>
+          <a:blip r:embed="rId2"/>
+          <a:stretch>
+            <a:fillRect/>
+          </a:stretch>
+        </p:blipFill>
+        <p:spPr>
+          <a:xfrm>
+            <a:off x="1484664" y="1722310"/>
+            <a:ext cx="2866667" cy="638095"/>
+          </a:xfrm>
+          <a:prstGeom prst="rect">
+            <a:avLst/>
+          </a:prstGeom>
+        </p:spPr>
+      </p:pic>
+      <p:pic>
+        <p:nvPicPr>
+          <p:cNvPr id="7" name="Picture 6">
+            <a:extLst>
+              <a:ext uri="{FF2B5EF4-FFF2-40B4-BE49-F238E27FC236}">
+                <a16:creationId xmlns:a16="http://schemas.microsoft.com/office/drawing/2014/main" id="{7243AC75-6333-474D-90F6-61BA5F59BBBA}"/>
+              </a:ext>
+            </a:extLst>
+          </p:cNvPr>
+          <p:cNvPicPr>
+            <a:picLocks noChangeAspect="1"/>
+          </p:cNvPicPr>
+          <p:nvPr/>
+        </p:nvPicPr>
+        <p:blipFill>
+          <a:blip r:embed="rId3"/>
+          <a:stretch>
+            <a:fillRect/>
+          </a:stretch>
+        </p:blipFill>
+        <p:spPr>
+          <a:xfrm>
+            <a:off x="931145" y="2620039"/>
+            <a:ext cx="8342857" cy="2066667"/>
+          </a:xfrm>
+          <a:prstGeom prst="rect">
+            <a:avLst/>
+          </a:prstGeom>
+        </p:spPr>
+      </p:pic>
     </p:spTree>
     <p:extLst>
       <p:ext uri="{BB962C8B-B14F-4D97-AF65-F5344CB8AC3E}">
@@ -7771,7 +7975,12 @@
             <p:ph type="title"/>
           </p:nvPr>
         </p:nvSpPr>
-        <p:spPr/>
+        <p:spPr>
+          <a:xfrm>
+            <a:off x="677334" y="336884"/>
+            <a:ext cx="8596668" cy="753979"/>
+          </a:xfrm>
+        </p:spPr>
         <p:txBody>
           <a:bodyPr/>
           <a:lstStyle/>
@@ -7800,15 +8009,56 @@
             <p:ph idx="1"/>
           </p:nvPr>
         </p:nvSpPr>
-        <p:spPr/>
+        <p:spPr>
+          <a:xfrm>
+            <a:off x="677334" y="1010653"/>
+            <a:ext cx="8596668" cy="5030709"/>
+          </a:xfrm>
+        </p:spPr>
         <p:txBody>
           <a:bodyPr/>
           <a:lstStyle/>
           <a:p>
+            <a:r>
+              <a:rPr lang="en-US" dirty="0"/>
+              <a:t>Road Trip:</a:t>
+            </a:r>
+          </a:p>
+          <a:p>
             <a:endParaRPr lang="en-US" dirty="0"/>
           </a:p>
         </p:txBody>
       </p:sp>
+      <p:pic>
+        <p:nvPicPr>
+          <p:cNvPr id="5" name="Picture 4">
+            <a:extLst>
+              <a:ext uri="{FF2B5EF4-FFF2-40B4-BE49-F238E27FC236}">
+                <a16:creationId xmlns:a16="http://schemas.microsoft.com/office/drawing/2014/main" id="{77E6FEE9-F3B0-4732-BD48-CA3CB735ABF7}"/>
+              </a:ext>
+            </a:extLst>
+          </p:cNvPr>
+          <p:cNvPicPr>
+            <a:picLocks noChangeAspect="1"/>
+          </p:cNvPicPr>
+          <p:nvPr/>
+        </p:nvPicPr>
+        <p:blipFill>
+          <a:blip r:embed="rId2"/>
+          <a:stretch>
+            <a:fillRect/>
+          </a:stretch>
+        </p:blipFill>
+        <p:spPr>
+          <a:xfrm>
+            <a:off x="1428921" y="1494399"/>
+            <a:ext cx="7336389" cy="1944324"/>
+          </a:xfrm>
+          <a:prstGeom prst="rect">
+            <a:avLst/>
+          </a:prstGeom>
+        </p:spPr>
+      </p:pic>
     </p:spTree>
     <p:extLst>
       <p:ext uri="{BB962C8B-B14F-4D97-AF65-F5344CB8AC3E}">

--- a/Carolina Brew.pptx
+++ b/Carolina Brew.pptx
@@ -6119,13 +6119,8 @@
             </a:pPr>
             <a:r>
               <a:rPr lang="en-US" dirty="0"/>
-              <a:t>Covid-19 has created a society with a bit of </a:t>
-            </a:r>
-            <a:r>
-              <a:rPr lang="en-US" dirty="0" err="1"/>
-              <a:t>clausterphobia</a:t>
-            </a:r>
-            <a:endParaRPr lang="en-US" dirty="0"/>
+              <a:t>Covid-19 has created a society with a bit of claustrophobia</a:t>
+            </a:r>
           </a:p>
           <a:p>
             <a:pPr>
